--- a/1 核心知识篇/03-核心概念/课件/核心概念.pptx
+++ b/1 核心知识篇/03-核心概念/课件/核心概念.pptx
@@ -23,6 +23,13 @@
     <p:sldId id="268" r:id="rId20"/>
     <p:sldId id="269" r:id="rId21"/>
     <p:sldId id="270" r:id="rId22"/>
+    <p:sldId id="271" r:id="rId23"/>
+    <p:sldId id="272" r:id="rId24"/>
+    <p:sldId id="273" r:id="rId25"/>
+    <p:sldId id="274" r:id="rId26"/>
+    <p:sldId id="275" r:id="rId27"/>
+    <p:sldId id="276" r:id="rId28"/>
+    <p:sldId id="277" r:id="rId29"/>
   </p:sldIdLst>
   <p:sldSz cx="12192000" cy="6858000"/>
   <p:notesSz cx="6858000" cy="9144000"/>
@@ -68,7 +75,7 @@
       <a:buFontTx/>
       <a:buNone/>
       <a:tabLst/>
-      <a:defRPr b="0" baseline="0" cap="none" i="0" spc="0" strike="noStrike" sz="1800" u="none" kumimoji="0" normalizeH="0">
+      <a:defRPr b="0" baseline="0" cap="none" i="0" spc="0" strike="noStrike" sz="2400" u="none" kumimoji="0" normalizeH="0">
         <a:ln>
           <a:noFill/>
         </a:ln>
@@ -98,7 +105,7 @@
       <a:buFontTx/>
       <a:buNone/>
       <a:tabLst/>
-      <a:defRPr b="0" baseline="0" cap="none" i="0" spc="0" strike="noStrike" sz="1800" u="none" kumimoji="0" normalizeH="0">
+      <a:defRPr b="0" baseline="0" cap="none" i="0" spc="0" strike="noStrike" sz="2400" u="none" kumimoji="0" normalizeH="0">
         <a:ln>
           <a:noFill/>
         </a:ln>
@@ -128,7 +135,7 @@
       <a:buFontTx/>
       <a:buNone/>
       <a:tabLst/>
-      <a:defRPr b="0" baseline="0" cap="none" i="0" spc="0" strike="noStrike" sz="1800" u="none" kumimoji="0" normalizeH="0">
+      <a:defRPr b="0" baseline="0" cap="none" i="0" spc="0" strike="noStrike" sz="2400" u="none" kumimoji="0" normalizeH="0">
         <a:ln>
           <a:noFill/>
         </a:ln>
@@ -158,7 +165,7 @@
       <a:buFontTx/>
       <a:buNone/>
       <a:tabLst/>
-      <a:defRPr b="0" baseline="0" cap="none" i="0" spc="0" strike="noStrike" sz="1800" u="none" kumimoji="0" normalizeH="0">
+      <a:defRPr b="0" baseline="0" cap="none" i="0" spc="0" strike="noStrike" sz="2400" u="none" kumimoji="0" normalizeH="0">
         <a:ln>
           <a:noFill/>
         </a:ln>
@@ -188,7 +195,7 @@
       <a:buFontTx/>
       <a:buNone/>
       <a:tabLst/>
-      <a:defRPr b="0" baseline="0" cap="none" i="0" spc="0" strike="noStrike" sz="1800" u="none" kumimoji="0" normalizeH="0">
+      <a:defRPr b="0" baseline="0" cap="none" i="0" spc="0" strike="noStrike" sz="2400" u="none" kumimoji="0" normalizeH="0">
         <a:ln>
           <a:noFill/>
         </a:ln>
@@ -218,7 +225,7 @@
       <a:buFontTx/>
       <a:buNone/>
       <a:tabLst/>
-      <a:defRPr b="0" baseline="0" cap="none" i="0" spc="0" strike="noStrike" sz="1800" u="none" kumimoji="0" normalizeH="0">
+      <a:defRPr b="0" baseline="0" cap="none" i="0" spc="0" strike="noStrike" sz="2400" u="none" kumimoji="0" normalizeH="0">
         <a:ln>
           <a:noFill/>
         </a:ln>
@@ -248,7 +255,7 @@
       <a:buFontTx/>
       <a:buNone/>
       <a:tabLst/>
-      <a:defRPr b="0" baseline="0" cap="none" i="0" spc="0" strike="noStrike" sz="1800" u="none" kumimoji="0" normalizeH="0">
+      <a:defRPr b="0" baseline="0" cap="none" i="0" spc="0" strike="noStrike" sz="2400" u="none" kumimoji="0" normalizeH="0">
         <a:ln>
           <a:noFill/>
         </a:ln>
@@ -278,7 +285,7 @@
       <a:buFontTx/>
       <a:buNone/>
       <a:tabLst/>
-      <a:defRPr b="0" baseline="0" cap="none" i="0" spc="0" strike="noStrike" sz="1800" u="none" kumimoji="0" normalizeH="0">
+      <a:defRPr b="0" baseline="0" cap="none" i="0" spc="0" strike="noStrike" sz="2400" u="none" kumimoji="0" normalizeH="0">
         <a:ln>
           <a:noFill/>
         </a:ln>
@@ -308,7 +315,7 @@
       <a:buFontTx/>
       <a:buNone/>
       <a:tabLst/>
-      <a:defRPr b="0" baseline="0" cap="none" i="0" spc="0" strike="noStrike" sz="1800" u="none" kumimoji="0" normalizeH="0">
+      <a:defRPr b="0" baseline="0" cap="none" i="0" spc="0" strike="noStrike" sz="2400" u="none" kumimoji="0" normalizeH="0">
         <a:ln>
           <a:noFill/>
         </a:ln>
@@ -2893,7 +2900,7 @@
           <a:lstStyle>
             <a:lvl1pPr>
               <a:buFont typeface="Wingdings"/>
-              <a:defRPr b="1" sz="2400"/>
+              <a:defRPr b="1"/>
             </a:lvl1pPr>
           </a:lstStyle>
           <a:p>
@@ -2934,7 +2941,7 @@
           <a:lstStyle>
             <a:lvl1pPr>
               <a:buFont typeface="Wingdings"/>
-              <a:defRPr b="1" sz="2400"/>
+              <a:defRPr b="1"/>
             </a:lvl1pPr>
           </a:lstStyle>
           <a:p>
@@ -2975,7 +2982,7 @@
           <a:lstStyle>
             <a:lvl1pPr>
               <a:buFont typeface="Wingdings"/>
-              <a:defRPr b="1" sz="2400"/>
+              <a:defRPr b="1"/>
             </a:lvl1pPr>
           </a:lstStyle>
           <a:p>
@@ -3016,7 +3023,7 @@
           <a:lstStyle>
             <a:lvl1pPr>
               <a:buFont typeface="Wingdings"/>
-              <a:defRPr b="1" sz="2400"/>
+              <a:defRPr b="1"/>
             </a:lvl1pPr>
           </a:lstStyle>
           <a:p>
@@ -3386,8 +3393,8 @@
     </p:tnLst>
     <p:bldLst>
       <p:bldP build="whole" bldLvl="1" animBg="1" rev="0" advAuto="0" spid="100" grpId="2"/>
+      <p:bldP build="whole" bldLvl="1" animBg="1" rev="0" advAuto="0" spid="101" grpId="3"/>
       <p:bldP build="whole" bldLvl="1" animBg="1" rev="0" advAuto="0" spid="99" grpId="1"/>
-      <p:bldP build="whole" bldLvl="1" animBg="1" rev="0" advAuto="0" spid="101" grpId="3"/>
       <p:bldP build="whole" bldLvl="1" animBg="1" rev="0" advAuto="0" spid="98" grpId="4"/>
     </p:bldLst>
   </p:timing>
@@ -3553,7 +3560,7 @@
           <a:lstStyle>
             <a:lvl1pPr>
               <a:buFont typeface="Wingdings"/>
-              <a:defRPr b="1" sz="2400"/>
+              <a:defRPr b="1"/>
             </a:lvl1pPr>
           </a:lstStyle>
           <a:p>
@@ -3573,7 +3580,7 @@
         <p:spPr>
           <a:xfrm>
             <a:off x="786831" y="1091420"/>
-            <a:ext cx="10707248" cy="726441"/>
+            <a:ext cx="10707248" cy="1348741"/>
           </a:xfrm>
           <a:prstGeom prst="rect">
             <a:avLst/>
@@ -3592,7 +3599,7 @@
             <a:spAutoFit/>
           </a:bodyPr>
           <a:lstStyle>
-            <a:lvl1pPr marL="285750" indent="-285750">
+            <a:lvl1pPr marL="381000" indent="-381000">
               <a:buSzPct val="100000"/>
               <a:buChar char="❖"/>
             </a:lvl1pPr>
@@ -3802,7 +3809,7 @@
           <a:lstStyle>
             <a:lvl1pPr>
               <a:buFont typeface="Wingdings"/>
-              <a:defRPr b="1" sz="2400"/>
+              <a:defRPr b="1"/>
             </a:lvl1pPr>
           </a:lstStyle>
           <a:p>
@@ -3822,7 +3829,7 @@
         <p:spPr>
           <a:xfrm>
             <a:off x="6032500" y="3299389"/>
-            <a:ext cx="127000" cy="259222"/>
+            <a:ext cx="127000" cy="345629"/>
           </a:xfrm>
           <a:prstGeom prst="rect">
             <a:avLst/>
@@ -3867,7 +3874,7 @@
         </p:blipFill>
         <p:spPr>
           <a:xfrm>
-            <a:off x="498469" y="975183"/>
+            <a:off x="498469" y="924383"/>
             <a:ext cx="10110265" cy="5519101"/>
           </a:xfrm>
           <a:prstGeom prst="rect">
@@ -4046,7 +4053,7 @@
           <a:lstStyle>
             <a:lvl1pPr>
               <a:buFont typeface="Wingdings"/>
-              <a:defRPr b="1" sz="2400"/>
+              <a:defRPr b="1"/>
             </a:lvl1pPr>
           </a:lstStyle>
           <a:p>
@@ -4066,7 +4073,7 @@
         <p:spPr>
           <a:xfrm>
             <a:off x="6032500" y="3299389"/>
-            <a:ext cx="127000" cy="259222"/>
+            <a:ext cx="127000" cy="345629"/>
           </a:xfrm>
           <a:prstGeom prst="rect">
             <a:avLst/>
@@ -4290,7 +4297,7 @@
           <a:lstStyle>
             <a:lvl1pPr>
               <a:buFont typeface="Wingdings"/>
-              <a:defRPr b="1" sz="2400"/>
+              <a:defRPr b="1"/>
             </a:lvl1pPr>
           </a:lstStyle>
           <a:p>
@@ -4393,8 +4400,8 @@
         </p:nvSpPr>
         <p:spPr>
           <a:xfrm>
-            <a:off x="2185979" y="2074718"/>
-            <a:ext cx="3023401" cy="330201"/>
+            <a:off x="2185978" y="2074718"/>
+            <a:ext cx="3023402" cy="330201"/>
           </a:xfrm>
           <a:prstGeom prst="rect">
             <a:avLst/>
@@ -4441,8 +4448,8 @@
         </p:nvSpPr>
         <p:spPr>
           <a:xfrm>
-            <a:off x="2185979" y="2633748"/>
-            <a:ext cx="2453450" cy="330201"/>
+            <a:off x="2185978" y="2633748"/>
+            <a:ext cx="2453451" cy="330201"/>
           </a:xfrm>
           <a:prstGeom prst="rect">
             <a:avLst/>
@@ -4483,14 +4490,14 @@
       </p:sp>
       <p:sp>
         <p:nvSpPr>
-          <p:cNvPr id="209" name="FST：Finit state Transducers"/>
+          <p:cNvPr id="209" name="FST：Finit State Transducers"/>
           <p:cNvSpPr txBox="1"/>
           <p:nvPr/>
         </p:nvSpPr>
         <p:spPr>
           <a:xfrm>
-            <a:off x="2109778" y="4439486"/>
-            <a:ext cx="3282558" cy="330201"/>
+            <a:off x="2109778" y="4439487"/>
+            <a:ext cx="3313203" cy="330201"/>
           </a:xfrm>
           <a:prstGeom prst="rect">
             <a:avLst/>
@@ -4524,7 +4531,7 @@
           <a:p>
             <a:pPr/>
             <a:r>
-              <a:t>FST：Finit state Transducers</a:t>
+              <a:t>FST：Finit State Transducers</a:t>
             </a:r>
           </a:p>
         </p:txBody>
@@ -5669,10 +5676,10 @@
       </p:par>
     </p:tnLst>
     <p:bldLst>
+      <p:bldP build="p" bldLvl="5" animBg="1" rev="0" advAuto="0" spid="207" grpId="1"/>
+      <p:bldP build="p" bldLvl="5" animBg="1" rev="0" advAuto="0" spid="207" grpId="2"/>
       <p:bldP build="p" bldLvl="5" animBg="1" rev="0" advAuto="0" spid="208" grpId="3"/>
       <p:bldP build="p" bldLvl="5" animBg="1" rev="0" advAuto="0" spid="208" grpId="4"/>
-      <p:bldP build="p" bldLvl="5" animBg="1" rev="0" advAuto="0" spid="207" grpId="1"/>
-      <p:bldP build="p" bldLvl="5" animBg="1" rev="0" advAuto="0" spid="207" grpId="2"/>
       <p:bldP build="p" bldLvl="5" animBg="1" rev="0" advAuto="0" spid="209" grpId="5"/>
       <p:bldP build="p" bldLvl="5" animBg="1" rev="0" advAuto="0" spid="209" grpId="6"/>
     </p:bldLst>
@@ -5839,7 +5846,7 @@
           <a:lstStyle>
             <a:lvl1pPr>
               <a:buFont typeface="Wingdings"/>
-              <a:defRPr b="1" sz="2400"/>
+              <a:defRPr b="1"/>
             </a:lvl1pPr>
           </a:lstStyle>
           <a:p>
@@ -6047,7 +6054,7 @@
           <a:lstStyle>
             <a:lvl1pPr>
               <a:buFont typeface="Wingdings"/>
-              <a:defRPr b="1" sz="2400"/>
+              <a:defRPr b="1"/>
             </a:lvl1pPr>
           </a:lstStyle>
           <a:p>
@@ -6076,8 +6083,8 @@
         </p:blipFill>
         <p:spPr>
           <a:xfrm>
-            <a:off x="355599" y="1016954"/>
-            <a:ext cx="8508647" cy="4673764"/>
+            <a:off x="355600" y="1016954"/>
+            <a:ext cx="8508646" cy="4673764"/>
           </a:xfrm>
           <a:prstGeom prst="rect">
             <a:avLst/>
@@ -6087,6 +6094,1435 @@
           </a:ln>
         </p:spPr>
       </p:pic>
+    </p:spTree>
+  </p:cSld>
+  <p:clrMapOvr>
+    <a:masterClrMapping/>
+  </p:clrMapOvr>
+  <p:transition xmlns:p14="http://schemas.microsoft.com/office/powerpoint/2010/main" spd="med" advClick="1"/>
+</p:sld>
+</file>
+
+<file path=ppt/slides/slide16.xml><?xml version="1.0" encoding="utf-8"?>
+<p:sld xmlns:a="http://schemas.openxmlformats.org/drawingml/2006/main" xmlns:r="http://schemas.openxmlformats.org/officeDocument/2006/relationships" xmlns:p="http://schemas.openxmlformats.org/presentationml/2006/main" xmlns:m="http://schemas.openxmlformats.org/officeDocument/2006/math" xmlns:a14="http://schemas.microsoft.com/office/drawing/2010/main" showMasterSp="1" showMasterPhAnim="1">
+  <p:cSld>
+    <p:spTree>
+      <p:nvGrpSpPr>
+        <p:cNvPr id="1" name=""/>
+        <p:cNvGrpSpPr/>
+        <p:nvPr/>
+      </p:nvGrpSpPr>
+      <p:grpSpPr>
+        <a:xfrm>
+          <a:off x="0" y="0"/>
+          <a:ext cx="0" cy="0"/>
+          <a:chOff x="0" y="0"/>
+          <a:chExt cx="0" cy="0"/>
+        </a:xfrm>
+      </p:grpSpPr>
+      <p:sp>
+        <p:nvSpPr>
+          <p:cNvPr id="223" name="页脚占位符 3"/>
+          <p:cNvSpPr txBox="1"/>
+          <p:nvPr/>
+        </p:nvSpPr>
+        <p:spPr>
+          <a:xfrm>
+            <a:off x="4211320" y="6245225"/>
+            <a:ext cx="3769360" cy="288824"/>
+          </a:xfrm>
+          <a:prstGeom prst="rect">
+            <a:avLst/>
+          </a:prstGeom>
+          <a:ln w="12700">
+            <a:miter lim="400000"/>
+          </a:ln>
+          <a:extLst>
+            <a:ext uri="{C572A759-6A51-4108-AA02-DFA0A04FC94B}">
+              <ma14:wrappingTextBoxFlag xmlns:ma14="http://schemas.microsoft.com/office/mac/drawingml/2011/main" val="1"/>
+            </a:ext>
+          </a:extLst>
+        </p:spPr>
+        <p:txBody>
+          <a:bodyPr lIns="45719" rIns="45719">
+            <a:spAutoFit/>
+          </a:bodyPr>
+          <a:lstStyle>
+            <a:lvl1pPr algn="ctr">
+              <a:defRPr b="1" sz="1400">
+                <a:solidFill>
+                  <a:srgbClr val="888888"/>
+                </a:solidFill>
+              </a:defRPr>
+            </a:lvl1pPr>
+          </a:lstStyle>
+          <a:p>
+            <a:pPr/>
+            <a:r>
+              <a:t>http://www.mashibing.com</a:t>
+            </a:r>
+          </a:p>
+        </p:txBody>
+      </p:sp>
+      <p:pic>
+        <p:nvPicPr>
+          <p:cNvPr id="224" name="图片 1" descr="图片 1"/>
+          <p:cNvPicPr>
+            <a:picLocks noChangeAspect="1"/>
+          </p:cNvPicPr>
+          <p:nvPr/>
+        </p:nvPicPr>
+        <p:blipFill>
+          <a:blip r:embed="rId2">
+            <a:extLst/>
+          </a:blip>
+          <a:stretch>
+            <a:fillRect/>
+          </a:stretch>
+        </p:blipFill>
+        <p:spPr>
+          <a:xfrm>
+            <a:off x="10363200" y="139700"/>
+            <a:ext cx="1657350" cy="636588"/>
+          </a:xfrm>
+          <a:prstGeom prst="rect">
+            <a:avLst/>
+          </a:prstGeom>
+          <a:ln w="12700">
+            <a:miter lim="400000"/>
+          </a:ln>
+        </p:spPr>
+      </p:pic>
+      <p:sp>
+        <p:nvSpPr>
+          <p:cNvPr id="225" name="灯片编号占位符 2"/>
+          <p:cNvSpPr txBox="1"/>
+          <p:nvPr>
+            <p:ph type="sldNum" sz="quarter" idx="4294967295"/>
+          </p:nvPr>
+        </p:nvSpPr>
+        <p:spPr>
+          <a:xfrm>
+            <a:off x="11280492" y="6245225"/>
+            <a:ext cx="301909" cy="288824"/>
+          </a:xfrm>
+          <a:prstGeom prst="rect">
+            <a:avLst/>
+          </a:prstGeom>
+          <a:extLst>
+            <a:ext uri="{C572A759-6A51-4108-AA02-DFA0A04FC94B}">
+              <ma14:wrappingTextBoxFlag xmlns:ma14="http://schemas.microsoft.com/office/mac/drawingml/2011/main" val="1"/>
+            </a:ext>
+          </a:extLst>
+        </p:spPr>
+        <p:txBody>
+          <a:bodyPr/>
+          <a:lstStyle>
+            <a:lvl1pPr>
+              <a:defRPr>
+                <a:solidFill>
+                  <a:srgbClr val="7F7F7F"/>
+                </a:solidFill>
+              </a:defRPr>
+            </a:lvl1pPr>
+          </a:lstStyle>
+          <a:p>
+            <a:pPr/>
+            <a:fld id="{86CB4B4D-7CA3-9044-876B-883B54F8677D}" type="slidenum"/>
+          </a:p>
+        </p:txBody>
+      </p:sp>
+      <p:sp>
+        <p:nvSpPr>
+          <p:cNvPr id="226" name="文本框 1"/>
+          <p:cNvSpPr txBox="1"/>
+          <p:nvPr/>
+        </p:nvSpPr>
+        <p:spPr>
+          <a:xfrm>
+            <a:off x="490498" y="581582"/>
+            <a:ext cx="2748978" cy="437070"/>
+          </a:xfrm>
+          <a:prstGeom prst="rect">
+            <a:avLst/>
+          </a:prstGeom>
+          <a:ln w="12700">
+            <a:miter lim="400000"/>
+          </a:ln>
+          <a:extLst>
+            <a:ext uri="{C572A759-6A51-4108-AA02-DFA0A04FC94B}">
+              <ma14:wrappingTextBoxFlag xmlns:ma14="http://schemas.microsoft.com/office/mac/drawingml/2011/main" val="1"/>
+            </a:ext>
+          </a:extLst>
+        </p:spPr>
+        <p:txBody>
+          <a:bodyPr lIns="45719" rIns="45719">
+            <a:spAutoFit/>
+          </a:bodyPr>
+          <a:lstStyle>
+            <a:lvl1pPr>
+              <a:buFont typeface="Wingdings"/>
+              <a:defRPr b="1"/>
+            </a:lvl1pPr>
+          </a:lstStyle>
+          <a:p>
+            <a:pPr/>
+            <a:r>
+              <a:t>Elasticsearch</a:t>
+            </a:r>
+          </a:p>
+        </p:txBody>
+      </p:sp>
+      <p:sp>
+        <p:nvSpPr>
+          <p:cNvPr id="227" name="文本框 1"/>
+          <p:cNvSpPr txBox="1"/>
+          <p:nvPr/>
+        </p:nvSpPr>
+        <p:spPr>
+          <a:xfrm>
+            <a:off x="1320231" y="1448646"/>
+            <a:ext cx="7642679" cy="472441"/>
+          </a:xfrm>
+          <a:prstGeom prst="rect">
+            <a:avLst/>
+          </a:prstGeom>
+          <a:ln w="12700">
+            <a:miter lim="400000"/>
+          </a:ln>
+          <a:extLst>
+            <a:ext uri="{C572A759-6A51-4108-AA02-DFA0A04FC94B}">
+              <ma14:wrappingTextBoxFlag xmlns:ma14="http://schemas.microsoft.com/office/mac/drawingml/2011/main" val="1"/>
+            </a:ext>
+          </a:extLst>
+        </p:spPr>
+        <p:txBody>
+          <a:bodyPr lIns="45719" rIns="45719">
+            <a:spAutoFit/>
+          </a:bodyPr>
+          <a:lstStyle>
+            <a:lvl1pPr marL="285750" indent="-285750">
+              <a:buSzPct val="100000"/>
+              <a:buChar char="❖"/>
+              <a:defRPr sz="2200"/>
+            </a:lvl1pPr>
+          </a:lstStyle>
+          <a:p>
+            <a:pPr/>
+            <a:r>
+              <a:t>分布式的搜索、存储和分析引擎</a:t>
+            </a:r>
+          </a:p>
+        </p:txBody>
+      </p:sp>
+      <p:sp>
+        <p:nvSpPr>
+          <p:cNvPr id="228" name="文本框 1"/>
+          <p:cNvSpPr txBox="1"/>
+          <p:nvPr/>
+        </p:nvSpPr>
+        <p:spPr>
+          <a:xfrm>
+            <a:off x="1320231" y="2100579"/>
+            <a:ext cx="7642679" cy="472441"/>
+          </a:xfrm>
+          <a:prstGeom prst="rect">
+            <a:avLst/>
+          </a:prstGeom>
+          <a:ln w="12700">
+            <a:miter lim="400000"/>
+          </a:ln>
+          <a:extLst>
+            <a:ext uri="{C572A759-6A51-4108-AA02-DFA0A04FC94B}">
+              <ma14:wrappingTextBoxFlag xmlns:ma14="http://schemas.microsoft.com/office/mac/drawingml/2011/main" val="1"/>
+            </a:ext>
+          </a:extLst>
+        </p:spPr>
+        <p:txBody>
+          <a:bodyPr lIns="45719" rIns="45719">
+            <a:spAutoFit/>
+          </a:bodyPr>
+          <a:lstStyle>
+            <a:lvl1pPr marL="285750" indent="-285750">
+              <a:buSzPct val="100000"/>
+              <a:buChar char="❖"/>
+              <a:defRPr sz="2200"/>
+            </a:lvl1pPr>
+          </a:lstStyle>
+          <a:p>
+            <a:pPr/>
+            <a:r>
+              <a:t>搜索引擎类的数据库</a:t>
+            </a:r>
+          </a:p>
+        </p:txBody>
+      </p:sp>
+      <p:sp>
+        <p:nvSpPr>
+          <p:cNvPr id="229" name="文本框 1"/>
+          <p:cNvSpPr txBox="1"/>
+          <p:nvPr/>
+        </p:nvSpPr>
+        <p:spPr>
+          <a:xfrm>
+            <a:off x="1320231" y="2752513"/>
+            <a:ext cx="7642679" cy="472441"/>
+          </a:xfrm>
+          <a:prstGeom prst="rect">
+            <a:avLst/>
+          </a:prstGeom>
+          <a:ln w="12700">
+            <a:miter lim="400000"/>
+          </a:ln>
+          <a:extLst>
+            <a:ext uri="{C572A759-6A51-4108-AA02-DFA0A04FC94B}">
+              <ma14:wrappingTextBoxFlag xmlns:ma14="http://schemas.microsoft.com/office/mac/drawingml/2011/main" val="1"/>
+            </a:ext>
+          </a:extLst>
+        </p:spPr>
+        <p:txBody>
+          <a:bodyPr lIns="45719" rIns="45719">
+            <a:spAutoFit/>
+          </a:bodyPr>
+          <a:lstStyle>
+            <a:lvl1pPr marL="285750" indent="-285750">
+              <a:buSzPct val="100000"/>
+              <a:buChar char="❖"/>
+              <a:defRPr sz="2200"/>
+            </a:lvl1pPr>
+          </a:lstStyle>
+          <a:p>
+            <a:pPr/>
+            <a:r>
+              <a:t>ES的优势</a:t>
+            </a:r>
+          </a:p>
+        </p:txBody>
+      </p:sp>
+      <p:sp>
+        <p:nvSpPr>
+          <p:cNvPr id="230" name="文本框 1"/>
+          <p:cNvSpPr txBox="1"/>
+          <p:nvPr/>
+        </p:nvSpPr>
+        <p:spPr>
+          <a:xfrm>
+            <a:off x="1320231" y="3404446"/>
+            <a:ext cx="2748978" cy="472441"/>
+          </a:xfrm>
+          <a:prstGeom prst="rect">
+            <a:avLst/>
+          </a:prstGeom>
+          <a:ln w="12700">
+            <a:miter lim="400000"/>
+          </a:ln>
+          <a:extLst>
+            <a:ext uri="{C572A759-6A51-4108-AA02-DFA0A04FC94B}">
+              <ma14:wrappingTextBoxFlag xmlns:ma14="http://schemas.microsoft.com/office/mac/drawingml/2011/main" val="1"/>
+            </a:ext>
+          </a:extLst>
+        </p:spPr>
+        <p:txBody>
+          <a:bodyPr lIns="45719" rIns="45719">
+            <a:spAutoFit/>
+          </a:bodyPr>
+          <a:lstStyle>
+            <a:lvl1pPr marL="285750" indent="-285750">
+              <a:buSzPct val="100000"/>
+              <a:buChar char="❖"/>
+              <a:defRPr sz="2200"/>
+            </a:lvl1pPr>
+          </a:lstStyle>
+          <a:p>
+            <a:pPr/>
+            <a:r>
+              <a:t>应用范围广泛</a:t>
+            </a:r>
+          </a:p>
+        </p:txBody>
+      </p:sp>
+    </p:spTree>
+  </p:cSld>
+  <p:clrMapOvr>
+    <a:masterClrMapping/>
+  </p:clrMapOvr>
+  <p:transition xmlns:p14="http://schemas.microsoft.com/office/powerpoint/2010/main" spd="med" advClick="1"/>
+</p:sld>
+</file>
+
+<file path=ppt/slides/slide17.xml><?xml version="1.0" encoding="utf-8"?>
+<p:sld xmlns:a="http://schemas.openxmlformats.org/drawingml/2006/main" xmlns:r="http://schemas.openxmlformats.org/officeDocument/2006/relationships" xmlns:p="http://schemas.openxmlformats.org/presentationml/2006/main" xmlns:m="http://schemas.openxmlformats.org/officeDocument/2006/math" xmlns:a14="http://schemas.microsoft.com/office/drawing/2010/main" showMasterSp="1" showMasterPhAnim="1">
+  <p:cSld>
+    <p:spTree>
+      <p:nvGrpSpPr>
+        <p:cNvPr id="1" name=""/>
+        <p:cNvGrpSpPr/>
+        <p:nvPr/>
+      </p:nvGrpSpPr>
+      <p:grpSpPr>
+        <a:xfrm>
+          <a:off x="0" y="0"/>
+          <a:ext cx="0" cy="0"/>
+          <a:chOff x="0" y="0"/>
+          <a:chExt cx="0" cy="0"/>
+        </a:xfrm>
+      </p:grpSpPr>
+      <p:sp>
+        <p:nvSpPr>
+          <p:cNvPr id="232" name="页脚占位符 3"/>
+          <p:cNvSpPr txBox="1"/>
+          <p:nvPr/>
+        </p:nvSpPr>
+        <p:spPr>
+          <a:xfrm>
+            <a:off x="4211320" y="6245225"/>
+            <a:ext cx="3769360" cy="288824"/>
+          </a:xfrm>
+          <a:prstGeom prst="rect">
+            <a:avLst/>
+          </a:prstGeom>
+          <a:ln w="12700">
+            <a:miter lim="400000"/>
+          </a:ln>
+          <a:extLst>
+            <a:ext uri="{C572A759-6A51-4108-AA02-DFA0A04FC94B}">
+              <ma14:wrappingTextBoxFlag xmlns:ma14="http://schemas.microsoft.com/office/mac/drawingml/2011/main" val="1"/>
+            </a:ext>
+          </a:extLst>
+        </p:spPr>
+        <p:txBody>
+          <a:bodyPr lIns="45719" rIns="45719">
+            <a:spAutoFit/>
+          </a:bodyPr>
+          <a:lstStyle>
+            <a:lvl1pPr algn="ctr">
+              <a:defRPr b="1" sz="1400">
+                <a:solidFill>
+                  <a:srgbClr val="888888"/>
+                </a:solidFill>
+              </a:defRPr>
+            </a:lvl1pPr>
+          </a:lstStyle>
+          <a:p>
+            <a:pPr/>
+            <a:r>
+              <a:t>http://www.mashibing.com</a:t>
+            </a:r>
+          </a:p>
+        </p:txBody>
+      </p:sp>
+      <p:pic>
+        <p:nvPicPr>
+          <p:cNvPr id="233" name="图片 1" descr="图片 1"/>
+          <p:cNvPicPr>
+            <a:picLocks noChangeAspect="1"/>
+          </p:cNvPicPr>
+          <p:nvPr/>
+        </p:nvPicPr>
+        <p:blipFill>
+          <a:blip r:embed="rId2">
+            <a:extLst/>
+          </a:blip>
+          <a:stretch>
+            <a:fillRect/>
+          </a:stretch>
+        </p:blipFill>
+        <p:spPr>
+          <a:xfrm>
+            <a:off x="10363200" y="139700"/>
+            <a:ext cx="1657350" cy="636588"/>
+          </a:xfrm>
+          <a:prstGeom prst="rect">
+            <a:avLst/>
+          </a:prstGeom>
+          <a:ln w="12700">
+            <a:miter lim="400000"/>
+          </a:ln>
+        </p:spPr>
+      </p:pic>
+      <p:sp>
+        <p:nvSpPr>
+          <p:cNvPr id="234" name="灯片编号占位符 2"/>
+          <p:cNvSpPr txBox="1"/>
+          <p:nvPr>
+            <p:ph type="sldNum" sz="quarter" idx="4294967295"/>
+          </p:nvPr>
+        </p:nvSpPr>
+        <p:spPr>
+          <a:xfrm>
+            <a:off x="11280492" y="6245225"/>
+            <a:ext cx="301909" cy="288824"/>
+          </a:xfrm>
+          <a:prstGeom prst="rect">
+            <a:avLst/>
+          </a:prstGeom>
+          <a:extLst>
+            <a:ext uri="{C572A759-6A51-4108-AA02-DFA0A04FC94B}">
+              <ma14:wrappingTextBoxFlag xmlns:ma14="http://schemas.microsoft.com/office/mac/drawingml/2011/main" val="1"/>
+            </a:ext>
+          </a:extLst>
+        </p:spPr>
+        <p:txBody>
+          <a:bodyPr/>
+          <a:lstStyle>
+            <a:lvl1pPr>
+              <a:defRPr>
+                <a:solidFill>
+                  <a:srgbClr val="7F7F7F"/>
+                </a:solidFill>
+              </a:defRPr>
+            </a:lvl1pPr>
+          </a:lstStyle>
+          <a:p>
+            <a:pPr/>
+            <a:fld id="{86CB4B4D-7CA3-9044-876B-883B54F8677D}" type="slidenum"/>
+          </a:p>
+        </p:txBody>
+      </p:sp>
+      <p:sp>
+        <p:nvSpPr>
+          <p:cNvPr id="235" name="文本框 1"/>
+          <p:cNvSpPr txBox="1"/>
+          <p:nvPr/>
+        </p:nvSpPr>
+        <p:spPr>
+          <a:xfrm>
+            <a:off x="405831" y="564649"/>
+            <a:ext cx="1443061" cy="510541"/>
+          </a:xfrm>
+          <a:prstGeom prst="rect">
+            <a:avLst/>
+          </a:prstGeom>
+          <a:ln w="12700">
+            <a:miter lim="400000"/>
+          </a:ln>
+          <a:extLst>
+            <a:ext uri="{C572A759-6A51-4108-AA02-DFA0A04FC94B}">
+              <ma14:wrappingTextBoxFlag xmlns:ma14="http://schemas.microsoft.com/office/mac/drawingml/2011/main" val="1"/>
+            </a:ext>
+          </a:extLst>
+        </p:spPr>
+        <p:txBody>
+          <a:bodyPr lIns="45719" rIns="45719">
+            <a:spAutoFit/>
+          </a:bodyPr>
+          <a:lstStyle>
+            <a:lvl1pPr>
+              <a:buFont typeface="Wingdings"/>
+              <a:defRPr b="1"/>
+            </a:lvl1pPr>
+          </a:lstStyle>
+          <a:p>
+            <a:pPr/>
+            <a:r>
+              <a:t>节点</a:t>
+            </a:r>
+          </a:p>
+        </p:txBody>
+      </p:sp>
+      <p:sp>
+        <p:nvSpPr>
+          <p:cNvPr id="236" name="文本框 1"/>
+          <p:cNvSpPr txBox="1"/>
+          <p:nvPr/>
+        </p:nvSpPr>
+        <p:spPr>
+          <a:xfrm>
+            <a:off x="1320231" y="1448646"/>
+            <a:ext cx="7642679" cy="472441"/>
+          </a:xfrm>
+          <a:prstGeom prst="rect">
+            <a:avLst/>
+          </a:prstGeom>
+          <a:ln w="12700">
+            <a:miter lim="400000"/>
+          </a:ln>
+          <a:extLst>
+            <a:ext uri="{C572A759-6A51-4108-AA02-DFA0A04FC94B}">
+              <ma14:wrappingTextBoxFlag xmlns:ma14="http://schemas.microsoft.com/office/mac/drawingml/2011/main" val="1"/>
+            </a:ext>
+          </a:extLst>
+        </p:spPr>
+        <p:txBody>
+          <a:bodyPr lIns="45719" rIns="45719">
+            <a:spAutoFit/>
+          </a:bodyPr>
+          <a:lstStyle>
+            <a:lvl1pPr marL="285750" indent="-285750">
+              <a:buSzPct val="100000"/>
+              <a:buChar char="❖"/>
+              <a:defRPr sz="2200"/>
+            </a:lvl1pPr>
+          </a:lstStyle>
+          <a:p>
+            <a:pPr/>
+            <a:r>
+              <a:t>每个节点就是一个Elasticsearch的实例</a:t>
+            </a:r>
+          </a:p>
+        </p:txBody>
+      </p:sp>
+      <p:sp>
+        <p:nvSpPr>
+          <p:cNvPr id="237" name="文本框 1"/>
+          <p:cNvSpPr txBox="1"/>
+          <p:nvPr/>
+        </p:nvSpPr>
+        <p:spPr>
+          <a:xfrm>
+            <a:off x="1320231" y="2100579"/>
+            <a:ext cx="7642679" cy="472441"/>
+          </a:xfrm>
+          <a:prstGeom prst="rect">
+            <a:avLst/>
+          </a:prstGeom>
+          <a:ln w="12700">
+            <a:miter lim="400000"/>
+          </a:ln>
+          <a:extLst>
+            <a:ext uri="{C572A759-6A51-4108-AA02-DFA0A04FC94B}">
+              <ma14:wrappingTextBoxFlag xmlns:ma14="http://schemas.microsoft.com/office/mac/drawingml/2011/main" val="1"/>
+            </a:ext>
+          </a:extLst>
+        </p:spPr>
+        <p:txBody>
+          <a:bodyPr lIns="45719" rIns="45719">
+            <a:spAutoFit/>
+          </a:bodyPr>
+          <a:lstStyle>
+            <a:lvl1pPr marL="285750" indent="-285750">
+              <a:buSzPct val="100000"/>
+              <a:buChar char="❖"/>
+              <a:defRPr sz="2200"/>
+            </a:lvl1pPr>
+          </a:lstStyle>
+          <a:p>
+            <a:pPr/>
+            <a:r>
+              <a:t>一个节点≠一台服务器</a:t>
+            </a:r>
+          </a:p>
+        </p:txBody>
+      </p:sp>
+    </p:spTree>
+  </p:cSld>
+  <p:clrMapOvr>
+    <a:masterClrMapping/>
+  </p:clrMapOvr>
+  <p:transition xmlns:p14="http://schemas.microsoft.com/office/powerpoint/2010/main" spd="med" advClick="1"/>
+</p:sld>
+</file>
+
+<file path=ppt/slides/slide18.xml><?xml version="1.0" encoding="utf-8"?>
+<p:sld xmlns:a="http://schemas.openxmlformats.org/drawingml/2006/main" xmlns:r="http://schemas.openxmlformats.org/officeDocument/2006/relationships" xmlns:p="http://schemas.openxmlformats.org/presentationml/2006/main" xmlns:m="http://schemas.openxmlformats.org/officeDocument/2006/math" xmlns:a14="http://schemas.microsoft.com/office/drawing/2010/main" showMasterSp="1" showMasterPhAnim="1">
+  <p:cSld>
+    <p:spTree>
+      <p:nvGrpSpPr>
+        <p:cNvPr id="1" name=""/>
+        <p:cNvGrpSpPr/>
+        <p:nvPr/>
+      </p:nvGrpSpPr>
+      <p:grpSpPr>
+        <a:xfrm>
+          <a:off x="0" y="0"/>
+          <a:ext cx="0" cy="0"/>
+          <a:chOff x="0" y="0"/>
+          <a:chExt cx="0" cy="0"/>
+        </a:xfrm>
+      </p:grpSpPr>
+      <p:sp>
+        <p:nvSpPr>
+          <p:cNvPr id="239" name="页脚占位符 3"/>
+          <p:cNvSpPr txBox="1"/>
+          <p:nvPr/>
+        </p:nvSpPr>
+        <p:spPr>
+          <a:xfrm>
+            <a:off x="4211320" y="6245225"/>
+            <a:ext cx="3769360" cy="288824"/>
+          </a:xfrm>
+          <a:prstGeom prst="rect">
+            <a:avLst/>
+          </a:prstGeom>
+          <a:ln w="12700">
+            <a:miter lim="400000"/>
+          </a:ln>
+          <a:extLst>
+            <a:ext uri="{C572A759-6A51-4108-AA02-DFA0A04FC94B}">
+              <ma14:wrappingTextBoxFlag xmlns:ma14="http://schemas.microsoft.com/office/mac/drawingml/2011/main" val="1"/>
+            </a:ext>
+          </a:extLst>
+        </p:spPr>
+        <p:txBody>
+          <a:bodyPr lIns="45719" rIns="45719">
+            <a:spAutoFit/>
+          </a:bodyPr>
+          <a:lstStyle>
+            <a:lvl1pPr algn="ctr">
+              <a:defRPr b="1" sz="1400">
+                <a:solidFill>
+                  <a:srgbClr val="888888"/>
+                </a:solidFill>
+              </a:defRPr>
+            </a:lvl1pPr>
+          </a:lstStyle>
+          <a:p>
+            <a:pPr/>
+            <a:r>
+              <a:t>http://www.mashibing.com</a:t>
+            </a:r>
+          </a:p>
+        </p:txBody>
+      </p:sp>
+      <p:pic>
+        <p:nvPicPr>
+          <p:cNvPr id="240" name="图片 1" descr="图片 1"/>
+          <p:cNvPicPr>
+            <a:picLocks noChangeAspect="1"/>
+          </p:cNvPicPr>
+          <p:nvPr/>
+        </p:nvPicPr>
+        <p:blipFill>
+          <a:blip r:embed="rId2">
+            <a:extLst/>
+          </a:blip>
+          <a:stretch>
+            <a:fillRect/>
+          </a:stretch>
+        </p:blipFill>
+        <p:spPr>
+          <a:xfrm>
+            <a:off x="10363200" y="139700"/>
+            <a:ext cx="1657350" cy="636588"/>
+          </a:xfrm>
+          <a:prstGeom prst="rect">
+            <a:avLst/>
+          </a:prstGeom>
+          <a:ln w="12700">
+            <a:miter lim="400000"/>
+          </a:ln>
+        </p:spPr>
+      </p:pic>
+      <p:sp>
+        <p:nvSpPr>
+          <p:cNvPr id="241" name="灯片编号占位符 2"/>
+          <p:cNvSpPr txBox="1"/>
+          <p:nvPr>
+            <p:ph type="sldNum" sz="quarter" idx="4294967295"/>
+          </p:nvPr>
+        </p:nvSpPr>
+        <p:spPr>
+          <a:xfrm>
+            <a:off x="11280492" y="6245225"/>
+            <a:ext cx="301909" cy="288824"/>
+          </a:xfrm>
+          <a:prstGeom prst="rect">
+            <a:avLst/>
+          </a:prstGeom>
+          <a:extLst>
+            <a:ext uri="{C572A759-6A51-4108-AA02-DFA0A04FC94B}">
+              <ma14:wrappingTextBoxFlag xmlns:ma14="http://schemas.microsoft.com/office/mac/drawingml/2011/main" val="1"/>
+            </a:ext>
+          </a:extLst>
+        </p:spPr>
+        <p:txBody>
+          <a:bodyPr/>
+          <a:lstStyle>
+            <a:lvl1pPr>
+              <a:defRPr>
+                <a:solidFill>
+                  <a:srgbClr val="7F7F7F"/>
+                </a:solidFill>
+              </a:defRPr>
+            </a:lvl1pPr>
+          </a:lstStyle>
+          <a:p>
+            <a:pPr/>
+            <a:fld id="{86CB4B4D-7CA3-9044-876B-883B54F8677D}" type="slidenum"/>
+          </a:p>
+        </p:txBody>
+      </p:sp>
+      <p:sp>
+        <p:nvSpPr>
+          <p:cNvPr id="242" name="文本框 1"/>
+          <p:cNvSpPr txBox="1"/>
+          <p:nvPr/>
+        </p:nvSpPr>
+        <p:spPr>
+          <a:xfrm>
+            <a:off x="388898" y="420716"/>
+            <a:ext cx="1720046" cy="510541"/>
+          </a:xfrm>
+          <a:prstGeom prst="rect">
+            <a:avLst/>
+          </a:prstGeom>
+          <a:ln w="12700">
+            <a:miter lim="400000"/>
+          </a:ln>
+          <a:extLst>
+            <a:ext uri="{C572A759-6A51-4108-AA02-DFA0A04FC94B}">
+              <ma14:wrappingTextBoxFlag xmlns:ma14="http://schemas.microsoft.com/office/mac/drawingml/2011/main" val="1"/>
+            </a:ext>
+          </a:extLst>
+        </p:spPr>
+        <p:txBody>
+          <a:bodyPr lIns="45719" rIns="45719">
+            <a:spAutoFit/>
+          </a:bodyPr>
+          <a:lstStyle>
+            <a:lvl1pPr>
+              <a:buFont typeface="Wingdings"/>
+              <a:defRPr b="1"/>
+            </a:lvl1pPr>
+          </a:lstStyle>
+          <a:p>
+            <a:pPr/>
+            <a:r>
+              <a:t>节点角色</a:t>
+            </a:r>
+          </a:p>
+        </p:txBody>
+      </p:sp>
+      <p:sp>
+        <p:nvSpPr>
+          <p:cNvPr id="243" name="文本框 1"/>
+          <p:cNvSpPr txBox="1"/>
+          <p:nvPr/>
+        </p:nvSpPr>
+        <p:spPr>
+          <a:xfrm>
+            <a:off x="1176298" y="1042246"/>
+            <a:ext cx="7642678" cy="4643629"/>
+          </a:xfrm>
+          <a:prstGeom prst="rect">
+            <a:avLst/>
+          </a:prstGeom>
+          <a:ln w="12700">
+            <a:miter lim="400000"/>
+          </a:ln>
+          <a:extLst>
+            <a:ext uri="{C572A759-6A51-4108-AA02-DFA0A04FC94B}">
+              <ma14:wrappingTextBoxFlag xmlns:ma14="http://schemas.microsoft.com/office/mac/drawingml/2011/main" val="1"/>
+            </a:ext>
+          </a:extLst>
+        </p:spPr>
+        <p:txBody>
+          <a:bodyPr lIns="45719" rIns="45719">
+            <a:spAutoFit/>
+          </a:bodyPr>
+          <a:lstStyle/>
+          <a:p>
+            <a:pPr marL="457200" indent="-317500" defTabSz="457200">
+              <a:buClr>
+                <a:srgbClr val="333333"/>
+              </a:buClr>
+              <a:buSzPct val="100000"/>
+              <a:buFont typeface="Helvetica Neue"/>
+              <a:buChar char="•"/>
+              <a:defRPr sz="2300">
+                <a:solidFill>
+                  <a:srgbClr val="333333"/>
+                </a:solidFill>
+                <a:latin typeface="Helvetica Neue"/>
+                <a:ea typeface="Helvetica Neue"/>
+                <a:cs typeface="Helvetica Neue"/>
+                <a:sym typeface="Helvetica Neue"/>
+              </a:defRPr>
+            </a:pPr>
+            <a:r>
+              <a:rPr>
+                <a:solidFill>
+                  <a:srgbClr val="FF2600"/>
+                </a:solidFill>
+              </a:rPr>
+              <a:t>master</a:t>
+            </a:r>
+            <a:r>
+              <a:t>：候选节点</a:t>
+            </a:r>
+          </a:p>
+          <a:p>
+            <a:pPr marL="457200" indent="-317500" defTabSz="457200">
+              <a:buClr>
+                <a:srgbClr val="333333"/>
+              </a:buClr>
+              <a:buSzPct val="100000"/>
+              <a:buFont typeface="Helvetica Neue"/>
+              <a:buChar char="•"/>
+              <a:defRPr sz="2300">
+                <a:solidFill>
+                  <a:srgbClr val="333333"/>
+                </a:solidFill>
+                <a:latin typeface="Helvetica Neue"/>
+                <a:ea typeface="Helvetica Neue"/>
+                <a:cs typeface="Helvetica Neue"/>
+                <a:sym typeface="Helvetica Neue"/>
+              </a:defRPr>
+            </a:pPr>
+            <a:r>
+              <a:rPr>
+                <a:solidFill>
+                  <a:srgbClr val="FF2600"/>
+                </a:solidFill>
+              </a:rPr>
+              <a:t>data</a:t>
+            </a:r>
+            <a:r>
+              <a:t>：数据节点</a:t>
+            </a:r>
+          </a:p>
+          <a:p>
+            <a:pPr marL="457200" indent="-317500" defTabSz="457200">
+              <a:buClr>
+                <a:srgbClr val="333333"/>
+              </a:buClr>
+              <a:buSzPct val="100000"/>
+              <a:buFont typeface="Helvetica Neue"/>
+              <a:buChar char="•"/>
+              <a:defRPr sz="2300">
+                <a:solidFill>
+                  <a:srgbClr val="333333"/>
+                </a:solidFill>
+                <a:latin typeface="Helvetica Neue"/>
+                <a:ea typeface="Helvetica Neue"/>
+                <a:cs typeface="Helvetica Neue"/>
+                <a:sym typeface="Helvetica Neue"/>
+              </a:defRPr>
+            </a:pPr>
+            <a:r>
+              <a:t>data_content：数据内容节点</a:t>
+            </a:r>
+          </a:p>
+          <a:p>
+            <a:pPr marL="457200" indent="-317500" defTabSz="457200">
+              <a:buClr>
+                <a:srgbClr val="333333"/>
+              </a:buClr>
+              <a:buSzPct val="100000"/>
+              <a:buFont typeface="Helvetica Neue"/>
+              <a:buChar char="•"/>
+              <a:defRPr sz="2300">
+                <a:solidFill>
+                  <a:srgbClr val="333333"/>
+                </a:solidFill>
+                <a:latin typeface="Helvetica Neue"/>
+                <a:ea typeface="Helvetica Neue"/>
+                <a:cs typeface="Helvetica Neue"/>
+                <a:sym typeface="Helvetica Neue"/>
+              </a:defRPr>
+            </a:pPr>
+            <a:r>
+              <a:t>data_hot：热节点</a:t>
+            </a:r>
+          </a:p>
+          <a:p>
+            <a:pPr marL="457200" indent="-317500" defTabSz="457200">
+              <a:buClr>
+                <a:srgbClr val="333333"/>
+              </a:buClr>
+              <a:buSzPct val="100000"/>
+              <a:buFont typeface="Helvetica Neue"/>
+              <a:buChar char="•"/>
+              <a:defRPr sz="2300">
+                <a:solidFill>
+                  <a:srgbClr val="333333"/>
+                </a:solidFill>
+                <a:latin typeface="Helvetica Neue"/>
+                <a:ea typeface="Helvetica Neue"/>
+                <a:cs typeface="Helvetica Neue"/>
+                <a:sym typeface="Helvetica Neue"/>
+              </a:defRPr>
+            </a:pPr>
+            <a:r>
+              <a:t>data_warm：索引不再定期更新，但仍可查询</a:t>
+            </a:r>
+          </a:p>
+          <a:p>
+            <a:pPr marL="457200" indent="-317500" defTabSz="457200">
+              <a:buClr>
+                <a:srgbClr val="333333"/>
+              </a:buClr>
+              <a:buSzPct val="100000"/>
+              <a:buFont typeface="Helvetica Neue"/>
+              <a:buChar char="•"/>
+              <a:defRPr sz="2300">
+                <a:solidFill>
+                  <a:srgbClr val="333333"/>
+                </a:solidFill>
+                <a:latin typeface="Helvetica Neue"/>
+                <a:ea typeface="Helvetica Neue"/>
+                <a:cs typeface="Helvetica Neue"/>
+                <a:sym typeface="Helvetica Neue"/>
+              </a:defRPr>
+            </a:pPr>
+            <a:r>
+              <a:t>data_code：冷节点，只读索引</a:t>
+            </a:r>
+          </a:p>
+          <a:p>
+            <a:pPr marL="457200" indent="-317500" defTabSz="457200">
+              <a:buClr>
+                <a:srgbClr val="333333"/>
+              </a:buClr>
+              <a:buSzPct val="100000"/>
+              <a:buFont typeface="Helvetica Neue"/>
+              <a:buChar char="•"/>
+              <a:defRPr sz="2300">
+                <a:solidFill>
+                  <a:srgbClr val="333333"/>
+                </a:solidFill>
+                <a:latin typeface="Helvetica Neue"/>
+                <a:ea typeface="Helvetica Neue"/>
+                <a:cs typeface="Helvetica Neue"/>
+                <a:sym typeface="Helvetica Neue"/>
+              </a:defRPr>
+            </a:pPr>
+            <a:r>
+              <a:t>Ingest：预处理节点，作用类似于Logstash中的Filter</a:t>
+            </a:r>
+          </a:p>
+          <a:p>
+            <a:pPr marL="457200" indent="-317500" defTabSz="457200">
+              <a:buClr>
+                <a:srgbClr val="333333"/>
+              </a:buClr>
+              <a:buSzPct val="100000"/>
+              <a:buFont typeface="Helvetica Neue"/>
+              <a:buChar char="•"/>
+              <a:defRPr sz="2300">
+                <a:solidFill>
+                  <a:srgbClr val="333333"/>
+                </a:solidFill>
+                <a:latin typeface="Helvetica Neue"/>
+                <a:ea typeface="Helvetica Neue"/>
+                <a:cs typeface="Helvetica Neue"/>
+                <a:sym typeface="Helvetica Neue"/>
+              </a:defRPr>
+            </a:pPr>
+            <a:r>
+              <a:t>ml：机器学习节点</a:t>
+            </a:r>
+          </a:p>
+          <a:p>
+            <a:pPr marL="457200" indent="-317500" defTabSz="457200">
+              <a:buClr>
+                <a:srgbClr val="333333"/>
+              </a:buClr>
+              <a:buSzPct val="100000"/>
+              <a:buFont typeface="Helvetica Neue"/>
+              <a:buChar char="•"/>
+              <a:defRPr sz="2300">
+                <a:solidFill>
+                  <a:srgbClr val="333333"/>
+                </a:solidFill>
+                <a:latin typeface="Helvetica Neue"/>
+                <a:ea typeface="Helvetica Neue"/>
+                <a:cs typeface="Helvetica Neue"/>
+                <a:sym typeface="Helvetica Neue"/>
+              </a:defRPr>
+            </a:pPr>
+            <a:r>
+              <a:t>remote_cluster_client：候选客户端节点</a:t>
+            </a:r>
+          </a:p>
+          <a:p>
+            <a:pPr marL="457200" indent="-317500" defTabSz="457200">
+              <a:buClr>
+                <a:srgbClr val="333333"/>
+              </a:buClr>
+              <a:buSzPct val="100000"/>
+              <a:buFont typeface="Helvetica Neue"/>
+              <a:buChar char="•"/>
+              <a:defRPr sz="2300">
+                <a:solidFill>
+                  <a:srgbClr val="333333"/>
+                </a:solidFill>
+                <a:latin typeface="Helvetica Neue"/>
+                <a:ea typeface="Helvetica Neue"/>
+                <a:cs typeface="Helvetica Neue"/>
+                <a:sym typeface="Helvetica Neue"/>
+              </a:defRPr>
+            </a:pPr>
+            <a:r>
+              <a:t>transform：转换节点</a:t>
+            </a:r>
+          </a:p>
+          <a:p>
+            <a:pPr marL="457200" indent="-317500" defTabSz="457200">
+              <a:buClr>
+                <a:srgbClr val="333333"/>
+              </a:buClr>
+              <a:buSzPct val="100000"/>
+              <a:buFont typeface="Helvetica Neue"/>
+              <a:buChar char="•"/>
+              <a:defRPr sz="2300">
+                <a:solidFill>
+                  <a:srgbClr val="333333"/>
+                </a:solidFill>
+                <a:latin typeface="Helvetica Neue"/>
+                <a:ea typeface="Helvetica Neue"/>
+                <a:cs typeface="Helvetica Neue"/>
+                <a:sym typeface="Helvetica Neue"/>
+              </a:defRPr>
+            </a:pPr>
+            <a:r>
+              <a:t>voting_only：仅投票节点</a:t>
+            </a:r>
+          </a:p>
+        </p:txBody>
+      </p:sp>
+    </p:spTree>
+  </p:cSld>
+  <p:clrMapOvr>
+    <a:masterClrMapping/>
+  </p:clrMapOvr>
+  <p:transition xmlns:p14="http://schemas.microsoft.com/office/powerpoint/2010/main" spd="med" advClick="1"/>
+</p:sld>
+</file>
+
+<file path=ppt/slides/slide19.xml><?xml version="1.0" encoding="utf-8"?>
+<p:sld xmlns:a="http://schemas.openxmlformats.org/drawingml/2006/main" xmlns:r="http://schemas.openxmlformats.org/officeDocument/2006/relationships" xmlns:p="http://schemas.openxmlformats.org/presentationml/2006/main" xmlns:m="http://schemas.openxmlformats.org/officeDocument/2006/math" xmlns:a14="http://schemas.microsoft.com/office/drawing/2010/main" showMasterSp="1" showMasterPhAnim="1">
+  <p:cSld>
+    <p:spTree>
+      <p:nvGrpSpPr>
+        <p:cNvPr id="1" name=""/>
+        <p:cNvGrpSpPr/>
+        <p:nvPr/>
+      </p:nvGrpSpPr>
+      <p:grpSpPr>
+        <a:xfrm>
+          <a:off x="0" y="0"/>
+          <a:ext cx="0" cy="0"/>
+          <a:chOff x="0" y="0"/>
+          <a:chExt cx="0" cy="0"/>
+        </a:xfrm>
+      </p:grpSpPr>
+      <p:sp>
+        <p:nvSpPr>
+          <p:cNvPr id="245" name="页脚占位符 3"/>
+          <p:cNvSpPr txBox="1"/>
+          <p:nvPr/>
+        </p:nvSpPr>
+        <p:spPr>
+          <a:xfrm>
+            <a:off x="4211320" y="6245225"/>
+            <a:ext cx="3769360" cy="288824"/>
+          </a:xfrm>
+          <a:prstGeom prst="rect">
+            <a:avLst/>
+          </a:prstGeom>
+          <a:ln w="12700">
+            <a:miter lim="400000"/>
+          </a:ln>
+          <a:extLst>
+            <a:ext uri="{C572A759-6A51-4108-AA02-DFA0A04FC94B}">
+              <ma14:wrappingTextBoxFlag xmlns:ma14="http://schemas.microsoft.com/office/mac/drawingml/2011/main" val="1"/>
+            </a:ext>
+          </a:extLst>
+        </p:spPr>
+        <p:txBody>
+          <a:bodyPr lIns="45719" rIns="45719">
+            <a:spAutoFit/>
+          </a:bodyPr>
+          <a:lstStyle>
+            <a:lvl1pPr algn="ctr">
+              <a:defRPr b="1" sz="1400">
+                <a:solidFill>
+                  <a:srgbClr val="888888"/>
+                </a:solidFill>
+              </a:defRPr>
+            </a:lvl1pPr>
+          </a:lstStyle>
+          <a:p>
+            <a:pPr/>
+            <a:r>
+              <a:t>http://www.mashibing.com</a:t>
+            </a:r>
+          </a:p>
+        </p:txBody>
+      </p:sp>
+      <p:pic>
+        <p:nvPicPr>
+          <p:cNvPr id="246" name="图片 1" descr="图片 1"/>
+          <p:cNvPicPr>
+            <a:picLocks noChangeAspect="1"/>
+          </p:cNvPicPr>
+          <p:nvPr/>
+        </p:nvPicPr>
+        <p:blipFill>
+          <a:blip r:embed="rId2">
+            <a:extLst/>
+          </a:blip>
+          <a:stretch>
+            <a:fillRect/>
+          </a:stretch>
+        </p:blipFill>
+        <p:spPr>
+          <a:xfrm>
+            <a:off x="10363200" y="139700"/>
+            <a:ext cx="1657350" cy="636588"/>
+          </a:xfrm>
+          <a:prstGeom prst="rect">
+            <a:avLst/>
+          </a:prstGeom>
+          <a:ln w="12700">
+            <a:miter lim="400000"/>
+          </a:ln>
+        </p:spPr>
+      </p:pic>
+      <p:sp>
+        <p:nvSpPr>
+          <p:cNvPr id="247" name="灯片编号占位符 2"/>
+          <p:cNvSpPr txBox="1"/>
+          <p:nvPr>
+            <p:ph type="sldNum" sz="quarter" idx="4294967295"/>
+          </p:nvPr>
+        </p:nvSpPr>
+        <p:spPr>
+          <a:xfrm>
+            <a:off x="11280492" y="6245225"/>
+            <a:ext cx="301909" cy="288824"/>
+          </a:xfrm>
+          <a:prstGeom prst="rect">
+            <a:avLst/>
+          </a:prstGeom>
+          <a:extLst>
+            <a:ext uri="{C572A759-6A51-4108-AA02-DFA0A04FC94B}">
+              <ma14:wrappingTextBoxFlag xmlns:ma14="http://schemas.microsoft.com/office/mac/drawingml/2011/main" val="1"/>
+            </a:ext>
+          </a:extLst>
+        </p:spPr>
+        <p:txBody>
+          <a:bodyPr/>
+          <a:lstStyle>
+            <a:lvl1pPr>
+              <a:defRPr>
+                <a:solidFill>
+                  <a:srgbClr val="7F7F7F"/>
+                </a:solidFill>
+              </a:defRPr>
+            </a:lvl1pPr>
+          </a:lstStyle>
+          <a:p>
+            <a:pPr/>
+            <a:fld id="{86CB4B4D-7CA3-9044-876B-883B54F8677D}" type="slidenum"/>
+          </a:p>
+        </p:txBody>
+      </p:sp>
+      <p:sp>
+        <p:nvSpPr>
+          <p:cNvPr id="248" name="文本框 1"/>
+          <p:cNvSpPr txBox="1"/>
+          <p:nvPr/>
+        </p:nvSpPr>
+        <p:spPr>
+          <a:xfrm>
+            <a:off x="829164" y="336049"/>
+            <a:ext cx="1720047" cy="599441"/>
+          </a:xfrm>
+          <a:prstGeom prst="rect">
+            <a:avLst/>
+          </a:prstGeom>
+          <a:ln w="12700">
+            <a:miter lim="400000"/>
+          </a:ln>
+          <a:extLst>
+            <a:ext uri="{C572A759-6A51-4108-AA02-DFA0A04FC94B}">
+              <ma14:wrappingTextBoxFlag xmlns:ma14="http://schemas.microsoft.com/office/mac/drawingml/2011/main" val="1"/>
+            </a:ext>
+          </a:extLst>
+        </p:spPr>
+        <p:txBody>
+          <a:bodyPr lIns="45719" rIns="45719">
+            <a:spAutoFit/>
+          </a:bodyPr>
+          <a:lstStyle>
+            <a:lvl1pPr algn="just" defTabSz="457200">
+              <a:defRPr b="1" sz="2800"/>
+            </a:lvl1pPr>
+          </a:lstStyle>
+          <a:p>
+            <a:pPr/>
+            <a:r>
+              <a:t>分片</a:t>
+            </a:r>
+          </a:p>
+        </p:txBody>
+      </p:sp>
+      <p:sp>
+        <p:nvSpPr>
+          <p:cNvPr id="249" name="文本框 1"/>
+          <p:cNvSpPr txBox="1"/>
+          <p:nvPr/>
+        </p:nvSpPr>
+        <p:spPr>
+          <a:xfrm>
+            <a:off x="1049298" y="1107186"/>
+            <a:ext cx="10349763" cy="4886943"/>
+          </a:xfrm>
+          <a:prstGeom prst="rect">
+            <a:avLst/>
+          </a:prstGeom>
+          <a:ln w="12700">
+            <a:miter lim="400000"/>
+          </a:ln>
+          <a:extLst>
+            <a:ext uri="{C572A759-6A51-4108-AA02-DFA0A04FC94B}">
+              <ma14:wrappingTextBoxFlag xmlns:ma14="http://schemas.microsoft.com/office/mac/drawingml/2011/main" val="1"/>
+            </a:ext>
+          </a:extLst>
+        </p:spPr>
+        <p:txBody>
+          <a:bodyPr lIns="45719" rIns="45719">
+            <a:spAutoFit/>
+          </a:bodyPr>
+          <a:lstStyle/>
+          <a:p>
+            <a:pPr marL="457200" indent="-317500" defTabSz="457200">
+              <a:buClr>
+                <a:srgbClr val="333333"/>
+              </a:buClr>
+              <a:buSzPct val="100000"/>
+              <a:buFont typeface="Helvetica Neue"/>
+              <a:buChar char="•"/>
+              <a:defRPr sz="2200">
+                <a:solidFill>
+                  <a:srgbClr val="333333"/>
+                </a:solidFill>
+              </a:defRPr>
+            </a:pPr>
+            <a:r>
+              <a:t>一个索引包含一个或多个分片，在7.0之前默认五个主分片，每个主分片一个副本；在7.0之后默认一个主分片。副本可以在索引创建之后修改数量，但是主分片的数量一旦确定不可修改，只能创建索引</a:t>
+            </a:r>
+          </a:p>
+          <a:p>
+            <a:pPr marL="457200" indent="-317500" defTabSz="457200">
+              <a:buClr>
+                <a:srgbClr val="333333"/>
+              </a:buClr>
+              <a:buSzPct val="100000"/>
+              <a:buFont typeface="Helvetica Neue"/>
+              <a:buChar char="•"/>
+              <a:defRPr sz="2200">
+                <a:solidFill>
+                  <a:srgbClr val="333333"/>
+                </a:solidFill>
+              </a:defRPr>
+            </a:pPr>
+          </a:p>
+          <a:p>
+            <a:pPr marL="457200" indent="-317500" defTabSz="457200">
+              <a:buClr>
+                <a:srgbClr val="333333"/>
+              </a:buClr>
+              <a:buSzPct val="100000"/>
+              <a:buFont typeface="Helvetica Neue"/>
+              <a:buChar char="•"/>
+              <a:defRPr sz="2200">
+                <a:solidFill>
+                  <a:srgbClr val="333333"/>
+                </a:solidFill>
+              </a:defRPr>
+            </a:pPr>
+            <a:r>
+              <a:t>每个分片都是一个Lucene实例，有完整的创建索引和处理请求的能力</a:t>
+            </a:r>
+          </a:p>
+          <a:p>
+            <a:pPr marL="457200" indent="-317500" defTabSz="457200">
+              <a:buClr>
+                <a:srgbClr val="333333"/>
+              </a:buClr>
+              <a:buSzPct val="100000"/>
+              <a:buFont typeface="Helvetica Neue"/>
+              <a:buChar char="•"/>
+              <a:defRPr sz="2200">
+                <a:solidFill>
+                  <a:srgbClr val="333333"/>
+                </a:solidFill>
+              </a:defRPr>
+            </a:pPr>
+          </a:p>
+          <a:p>
+            <a:pPr marL="457200" indent="-317500" defTabSz="457200">
+              <a:buClr>
+                <a:srgbClr val="333333"/>
+              </a:buClr>
+              <a:buSzPct val="100000"/>
+              <a:buFont typeface="Helvetica Neue"/>
+              <a:buChar char="•"/>
+              <a:defRPr sz="2200">
+                <a:solidFill>
+                  <a:srgbClr val="333333"/>
+                </a:solidFill>
+              </a:defRPr>
+            </a:pPr>
+            <a:r>
+              <a:t>ES会自动再nodes上做分片均衡</a:t>
+            </a:r>
+          </a:p>
+          <a:p>
+            <a:pPr marL="457200" indent="-317500" defTabSz="457200">
+              <a:buClr>
+                <a:srgbClr val="333333"/>
+              </a:buClr>
+              <a:buSzPct val="100000"/>
+              <a:buFont typeface="Helvetica Neue"/>
+              <a:buChar char="•"/>
+              <a:defRPr sz="2200">
+                <a:solidFill>
+                  <a:srgbClr val="333333"/>
+                </a:solidFill>
+              </a:defRPr>
+            </a:pPr>
+          </a:p>
+          <a:p>
+            <a:pPr marL="457200" indent="-317500" defTabSz="457200">
+              <a:buClr>
+                <a:srgbClr val="333333"/>
+              </a:buClr>
+              <a:buSzPct val="100000"/>
+              <a:buFont typeface="Helvetica Neue"/>
+              <a:buChar char="•"/>
+              <a:defRPr sz="2200">
+                <a:solidFill>
+                  <a:srgbClr val="333333"/>
+                </a:solidFill>
+              </a:defRPr>
+            </a:pPr>
+            <a:r>
+              <a:t>一个doc不可能同时存在于多个主分片中，但是当每个主分片的副本数量不为一时，可以同时存在于多个副本中。</a:t>
+            </a:r>
+          </a:p>
+          <a:p>
+            <a:pPr defTabSz="457200">
+              <a:defRPr sz="2200">
+                <a:solidFill>
+                  <a:srgbClr val="333333"/>
+                </a:solidFill>
+              </a:defRPr>
+            </a:pPr>
+          </a:p>
+          <a:p>
+            <a:pPr marL="457200" indent="-317500" defTabSz="457200">
+              <a:buClr>
+                <a:srgbClr val="333333"/>
+              </a:buClr>
+              <a:buSzPct val="100000"/>
+              <a:buFont typeface="Helvetica Neue"/>
+              <a:buChar char="•"/>
+              <a:defRPr sz="2200">
+                <a:solidFill>
+                  <a:srgbClr val="333333"/>
+                </a:solidFill>
+              </a:defRPr>
+            </a:pPr>
+            <a:r>
+              <a:t>每个主分片和其副本分片不能同时存在于同一个节点上，所以最低的可用配置是两个节点互为主备。</a:t>
+            </a:r>
+          </a:p>
+        </p:txBody>
+      </p:sp>
     </p:spTree>
   </p:cSld>
   <p:clrMapOvr>
@@ -6292,7 +7728,7 @@
           <a:lstStyle>
             <a:lvl1pPr>
               <a:buFont typeface="Wingdings"/>
-              <a:defRPr b="1" sz="2400"/>
+              <a:defRPr b="1"/>
             </a:lvl1pPr>
           </a:lstStyle>
           <a:p>
@@ -7093,14 +8529,950 @@
       </p:par>
     </p:tnLst>
     <p:bldLst>
+      <p:bldP build="whole" bldLvl="1" animBg="1" rev="0" advAuto="0" spid="109" grpId="3"/>
       <p:bldP build="whole" bldLvl="1" animBg="1" rev="0" advAuto="0" spid="110" grpId="4"/>
       <p:bldP build="whole" bldLvl="1" animBg="1" rev="0" advAuto="0" spid="112" grpId="5"/>
+      <p:bldP build="whole" bldLvl="1" animBg="1" rev="0" advAuto="0" spid="108" grpId="2"/>
       <p:bldP build="whole" bldLvl="1" animBg="1" rev="0" advAuto="0" spid="111" grpId="6"/>
-      <p:bldP build="whole" bldLvl="1" animBg="1" rev="0" advAuto="0" spid="109" grpId="3"/>
-      <p:bldP build="whole" bldLvl="1" animBg="1" rev="0" advAuto="0" spid="108" grpId="2"/>
       <p:bldP build="whole" bldLvl="1" animBg="1" rev="0" advAuto="0" spid="107" grpId="1"/>
     </p:bldLst>
   </p:timing>
+</p:sld>
+</file>
+
+<file path=ppt/slides/slide20.xml><?xml version="1.0" encoding="utf-8"?>
+<p:sld xmlns:a="http://schemas.openxmlformats.org/drawingml/2006/main" xmlns:r="http://schemas.openxmlformats.org/officeDocument/2006/relationships" xmlns:p="http://schemas.openxmlformats.org/presentationml/2006/main" xmlns:m="http://schemas.openxmlformats.org/officeDocument/2006/math" xmlns:a14="http://schemas.microsoft.com/office/drawing/2010/main" showMasterSp="1" showMasterPhAnim="1">
+  <p:cSld>
+    <p:spTree>
+      <p:nvGrpSpPr>
+        <p:cNvPr id="1" name=""/>
+        <p:cNvGrpSpPr/>
+        <p:nvPr/>
+      </p:nvGrpSpPr>
+      <p:grpSpPr>
+        <a:xfrm>
+          <a:off x="0" y="0"/>
+          <a:ext cx="0" cy="0"/>
+          <a:chOff x="0" y="0"/>
+          <a:chExt cx="0" cy="0"/>
+        </a:xfrm>
+      </p:grpSpPr>
+      <p:sp>
+        <p:nvSpPr>
+          <p:cNvPr id="251" name="页脚占位符 3"/>
+          <p:cNvSpPr txBox="1"/>
+          <p:nvPr/>
+        </p:nvSpPr>
+        <p:spPr>
+          <a:xfrm>
+            <a:off x="4211320" y="6245225"/>
+            <a:ext cx="3769360" cy="288824"/>
+          </a:xfrm>
+          <a:prstGeom prst="rect">
+            <a:avLst/>
+          </a:prstGeom>
+          <a:ln w="12700">
+            <a:miter lim="400000"/>
+          </a:ln>
+          <a:extLst>
+            <a:ext uri="{C572A759-6A51-4108-AA02-DFA0A04FC94B}">
+              <ma14:wrappingTextBoxFlag xmlns:ma14="http://schemas.microsoft.com/office/mac/drawingml/2011/main" val="1"/>
+            </a:ext>
+          </a:extLst>
+        </p:spPr>
+        <p:txBody>
+          <a:bodyPr lIns="45719" rIns="45719">
+            <a:spAutoFit/>
+          </a:bodyPr>
+          <a:lstStyle>
+            <a:lvl1pPr algn="ctr">
+              <a:defRPr b="1" sz="1400">
+                <a:solidFill>
+                  <a:srgbClr val="888888"/>
+                </a:solidFill>
+              </a:defRPr>
+            </a:lvl1pPr>
+          </a:lstStyle>
+          <a:p>
+            <a:pPr/>
+            <a:r>
+              <a:t>http://www.mashibing.com</a:t>
+            </a:r>
+          </a:p>
+        </p:txBody>
+      </p:sp>
+      <p:pic>
+        <p:nvPicPr>
+          <p:cNvPr id="252" name="图片 1" descr="图片 1"/>
+          <p:cNvPicPr>
+            <a:picLocks noChangeAspect="1"/>
+          </p:cNvPicPr>
+          <p:nvPr/>
+        </p:nvPicPr>
+        <p:blipFill>
+          <a:blip r:embed="rId2">
+            <a:extLst/>
+          </a:blip>
+          <a:stretch>
+            <a:fillRect/>
+          </a:stretch>
+        </p:blipFill>
+        <p:spPr>
+          <a:xfrm>
+            <a:off x="10363200" y="139700"/>
+            <a:ext cx="1657350" cy="636588"/>
+          </a:xfrm>
+          <a:prstGeom prst="rect">
+            <a:avLst/>
+          </a:prstGeom>
+          <a:ln w="12700">
+            <a:miter lim="400000"/>
+          </a:ln>
+        </p:spPr>
+      </p:pic>
+      <p:sp>
+        <p:nvSpPr>
+          <p:cNvPr id="253" name="灯片编号占位符 2"/>
+          <p:cNvSpPr txBox="1"/>
+          <p:nvPr>
+            <p:ph type="sldNum" sz="quarter" idx="4294967295"/>
+          </p:nvPr>
+        </p:nvSpPr>
+        <p:spPr>
+          <a:xfrm>
+            <a:off x="11280492" y="6245225"/>
+            <a:ext cx="301909" cy="288824"/>
+          </a:xfrm>
+          <a:prstGeom prst="rect">
+            <a:avLst/>
+          </a:prstGeom>
+          <a:extLst>
+            <a:ext uri="{C572A759-6A51-4108-AA02-DFA0A04FC94B}">
+              <ma14:wrappingTextBoxFlag xmlns:ma14="http://schemas.microsoft.com/office/mac/drawingml/2011/main" val="1"/>
+            </a:ext>
+          </a:extLst>
+        </p:spPr>
+        <p:txBody>
+          <a:bodyPr/>
+          <a:lstStyle>
+            <a:lvl1pPr>
+              <a:defRPr>
+                <a:solidFill>
+                  <a:srgbClr val="7F7F7F"/>
+                </a:solidFill>
+              </a:defRPr>
+            </a:lvl1pPr>
+          </a:lstStyle>
+          <a:p>
+            <a:pPr/>
+            <a:fld id="{86CB4B4D-7CA3-9044-876B-883B54F8677D}" type="slidenum"/>
+          </a:p>
+        </p:txBody>
+      </p:sp>
+      <p:sp>
+        <p:nvSpPr>
+          <p:cNvPr id="254" name="文本框 1"/>
+          <p:cNvSpPr txBox="1"/>
+          <p:nvPr/>
+        </p:nvSpPr>
+        <p:spPr>
+          <a:xfrm>
+            <a:off x="388898" y="420716"/>
+            <a:ext cx="1443061" cy="510541"/>
+          </a:xfrm>
+          <a:prstGeom prst="rect">
+            <a:avLst/>
+          </a:prstGeom>
+          <a:ln w="12700">
+            <a:miter lim="400000"/>
+          </a:ln>
+          <a:extLst>
+            <a:ext uri="{C572A759-6A51-4108-AA02-DFA0A04FC94B}">
+              <ma14:wrappingTextBoxFlag xmlns:ma14="http://schemas.microsoft.com/office/mac/drawingml/2011/main" val="1"/>
+            </a:ext>
+          </a:extLst>
+        </p:spPr>
+        <p:txBody>
+          <a:bodyPr lIns="45719" rIns="45719">
+            <a:spAutoFit/>
+          </a:bodyPr>
+          <a:lstStyle>
+            <a:lvl1pPr>
+              <a:buFont typeface="Wingdings"/>
+              <a:defRPr b="1"/>
+            </a:lvl1pPr>
+          </a:lstStyle>
+          <a:p>
+            <a:pPr/>
+            <a:r>
+              <a:t>集群</a:t>
+            </a:r>
+          </a:p>
+        </p:txBody>
+      </p:sp>
+      <p:sp>
+        <p:nvSpPr>
+          <p:cNvPr id="255" name="文本框 1"/>
+          <p:cNvSpPr txBox="1"/>
+          <p:nvPr/>
+        </p:nvSpPr>
+        <p:spPr>
+          <a:xfrm>
+            <a:off x="1320231" y="1448646"/>
+            <a:ext cx="7642679" cy="472441"/>
+          </a:xfrm>
+          <a:prstGeom prst="rect">
+            <a:avLst/>
+          </a:prstGeom>
+          <a:ln w="12700">
+            <a:miter lim="400000"/>
+          </a:ln>
+          <a:extLst>
+            <a:ext uri="{C572A759-6A51-4108-AA02-DFA0A04FC94B}">
+              <ma14:wrappingTextBoxFlag xmlns:ma14="http://schemas.microsoft.com/office/mac/drawingml/2011/main" val="1"/>
+            </a:ext>
+          </a:extLst>
+        </p:spPr>
+        <p:txBody>
+          <a:bodyPr lIns="45719" rIns="45719">
+            <a:spAutoFit/>
+          </a:bodyPr>
+          <a:lstStyle>
+            <a:lvl1pPr marL="285750" indent="-285750">
+              <a:buSzPct val="100000"/>
+              <a:buChar char="❖"/>
+              <a:defRPr sz="2200"/>
+            </a:lvl1pPr>
+          </a:lstStyle>
+          <a:p>
+            <a:pPr/>
+            <a:r>
+              <a:t>原生分布式</a:t>
+            </a:r>
+          </a:p>
+        </p:txBody>
+      </p:sp>
+      <p:sp>
+        <p:nvSpPr>
+          <p:cNvPr id="256" name="文本框 1"/>
+          <p:cNvSpPr txBox="1"/>
+          <p:nvPr/>
+        </p:nvSpPr>
+        <p:spPr>
+          <a:xfrm>
+            <a:off x="1320231" y="2100579"/>
+            <a:ext cx="7642679" cy="472441"/>
+          </a:xfrm>
+          <a:prstGeom prst="rect">
+            <a:avLst/>
+          </a:prstGeom>
+          <a:ln w="12700">
+            <a:miter lim="400000"/>
+          </a:ln>
+          <a:extLst>
+            <a:ext uri="{C572A759-6A51-4108-AA02-DFA0A04FC94B}">
+              <ma14:wrappingTextBoxFlag xmlns:ma14="http://schemas.microsoft.com/office/mac/drawingml/2011/main" val="1"/>
+            </a:ext>
+          </a:extLst>
+        </p:spPr>
+        <p:txBody>
+          <a:bodyPr lIns="45719" rIns="45719">
+            <a:spAutoFit/>
+          </a:bodyPr>
+          <a:lstStyle>
+            <a:lvl1pPr marL="285750" indent="-285750">
+              <a:buSzPct val="100000"/>
+              <a:buChar char="❖"/>
+              <a:defRPr sz="2200"/>
+            </a:lvl1pPr>
+          </a:lstStyle>
+          <a:p>
+            <a:pPr/>
+            <a:r>
+              <a:t>一个节点≠一台服务器</a:t>
+            </a:r>
+          </a:p>
+        </p:txBody>
+      </p:sp>
+    </p:spTree>
+  </p:cSld>
+  <p:clrMapOvr>
+    <a:masterClrMapping/>
+  </p:clrMapOvr>
+  <p:transition xmlns:p14="http://schemas.microsoft.com/office/powerpoint/2010/main" spd="med" advClick="1"/>
+</p:sld>
+</file>
+
+<file path=ppt/slides/slide21.xml><?xml version="1.0" encoding="utf-8"?>
+<p:sld xmlns:a="http://schemas.openxmlformats.org/drawingml/2006/main" xmlns:r="http://schemas.openxmlformats.org/officeDocument/2006/relationships" xmlns:p="http://schemas.openxmlformats.org/presentationml/2006/main" xmlns:m="http://schemas.openxmlformats.org/officeDocument/2006/math" xmlns:a14="http://schemas.microsoft.com/office/drawing/2010/main" showMasterSp="1" showMasterPhAnim="1">
+  <p:cSld>
+    <p:spTree>
+      <p:nvGrpSpPr>
+        <p:cNvPr id="1" name=""/>
+        <p:cNvGrpSpPr/>
+        <p:nvPr/>
+      </p:nvGrpSpPr>
+      <p:grpSpPr>
+        <a:xfrm>
+          <a:off x="0" y="0"/>
+          <a:ext cx="0" cy="0"/>
+          <a:chOff x="0" y="0"/>
+          <a:chExt cx="0" cy="0"/>
+        </a:xfrm>
+      </p:grpSpPr>
+      <p:sp>
+        <p:nvSpPr>
+          <p:cNvPr id="258" name="页脚占位符 3"/>
+          <p:cNvSpPr txBox="1"/>
+          <p:nvPr/>
+        </p:nvSpPr>
+        <p:spPr>
+          <a:xfrm>
+            <a:off x="4211320" y="6245225"/>
+            <a:ext cx="3769360" cy="288824"/>
+          </a:xfrm>
+          <a:prstGeom prst="rect">
+            <a:avLst/>
+          </a:prstGeom>
+          <a:ln w="12700">
+            <a:miter lim="400000"/>
+          </a:ln>
+          <a:extLst>
+            <a:ext uri="{C572A759-6A51-4108-AA02-DFA0A04FC94B}">
+              <ma14:wrappingTextBoxFlag xmlns:ma14="http://schemas.microsoft.com/office/mac/drawingml/2011/main" val="1"/>
+            </a:ext>
+          </a:extLst>
+        </p:spPr>
+        <p:txBody>
+          <a:bodyPr lIns="45719" rIns="45719">
+            <a:spAutoFit/>
+          </a:bodyPr>
+          <a:lstStyle>
+            <a:lvl1pPr algn="ctr">
+              <a:defRPr b="1" sz="1400">
+                <a:solidFill>
+                  <a:srgbClr val="888888"/>
+                </a:solidFill>
+              </a:defRPr>
+            </a:lvl1pPr>
+          </a:lstStyle>
+          <a:p>
+            <a:pPr/>
+            <a:r>
+              <a:t>http://www.mashibing.com</a:t>
+            </a:r>
+          </a:p>
+        </p:txBody>
+      </p:sp>
+      <p:pic>
+        <p:nvPicPr>
+          <p:cNvPr id="259" name="图片 1" descr="图片 1"/>
+          <p:cNvPicPr>
+            <a:picLocks noChangeAspect="1"/>
+          </p:cNvPicPr>
+          <p:nvPr/>
+        </p:nvPicPr>
+        <p:blipFill>
+          <a:blip r:embed="rId2">
+            <a:extLst/>
+          </a:blip>
+          <a:stretch>
+            <a:fillRect/>
+          </a:stretch>
+        </p:blipFill>
+        <p:spPr>
+          <a:xfrm>
+            <a:off x="10363200" y="139700"/>
+            <a:ext cx="1657350" cy="636588"/>
+          </a:xfrm>
+          <a:prstGeom prst="rect">
+            <a:avLst/>
+          </a:prstGeom>
+          <a:ln w="12700">
+            <a:miter lim="400000"/>
+          </a:ln>
+        </p:spPr>
+      </p:pic>
+      <p:sp>
+        <p:nvSpPr>
+          <p:cNvPr id="260" name="灯片编号占位符 2"/>
+          <p:cNvSpPr txBox="1"/>
+          <p:nvPr>
+            <p:ph type="sldNum" sz="quarter" idx="4294967295"/>
+          </p:nvPr>
+        </p:nvSpPr>
+        <p:spPr>
+          <a:xfrm>
+            <a:off x="11280492" y="6245225"/>
+            <a:ext cx="301909" cy="288824"/>
+          </a:xfrm>
+          <a:prstGeom prst="rect">
+            <a:avLst/>
+          </a:prstGeom>
+          <a:extLst>
+            <a:ext uri="{C572A759-6A51-4108-AA02-DFA0A04FC94B}">
+              <ma14:wrappingTextBoxFlag xmlns:ma14="http://schemas.microsoft.com/office/mac/drawingml/2011/main" val="1"/>
+            </a:ext>
+          </a:extLst>
+        </p:spPr>
+        <p:txBody>
+          <a:bodyPr/>
+          <a:lstStyle>
+            <a:lvl1pPr>
+              <a:defRPr>
+                <a:solidFill>
+                  <a:srgbClr val="7F7F7F"/>
+                </a:solidFill>
+              </a:defRPr>
+            </a:lvl1pPr>
+          </a:lstStyle>
+          <a:p>
+            <a:pPr/>
+            <a:fld id="{86CB4B4D-7CA3-9044-876B-883B54F8677D}" type="slidenum"/>
+          </a:p>
+        </p:txBody>
+      </p:sp>
+      <p:sp>
+        <p:nvSpPr>
+          <p:cNvPr id="261" name="文本框 1"/>
+          <p:cNvSpPr txBox="1"/>
+          <p:nvPr/>
+        </p:nvSpPr>
+        <p:spPr>
+          <a:xfrm>
+            <a:off x="388898" y="420716"/>
+            <a:ext cx="1720046" cy="510541"/>
+          </a:xfrm>
+          <a:prstGeom prst="rect">
+            <a:avLst/>
+          </a:prstGeom>
+          <a:ln w="12700">
+            <a:miter lim="400000"/>
+          </a:ln>
+          <a:extLst>
+            <a:ext uri="{C572A759-6A51-4108-AA02-DFA0A04FC94B}">
+              <ma14:wrappingTextBoxFlag xmlns:ma14="http://schemas.microsoft.com/office/mac/drawingml/2011/main" val="1"/>
+            </a:ext>
+          </a:extLst>
+        </p:spPr>
+        <p:txBody>
+          <a:bodyPr lIns="45719" rIns="45719">
+            <a:spAutoFit/>
+          </a:bodyPr>
+          <a:lstStyle>
+            <a:lvl1pPr>
+              <a:buFont typeface="Wingdings"/>
+              <a:defRPr b="1"/>
+            </a:lvl1pPr>
+          </a:lstStyle>
+          <a:p>
+            <a:pPr/>
+            <a:r>
+              <a:t>集群状态</a:t>
+            </a:r>
+          </a:p>
+        </p:txBody>
+      </p:sp>
+      <p:sp>
+        <p:nvSpPr>
+          <p:cNvPr id="262" name="文本框 1"/>
+          <p:cNvSpPr txBox="1"/>
+          <p:nvPr/>
+        </p:nvSpPr>
+        <p:spPr>
+          <a:xfrm>
+            <a:off x="583631" y="1186180"/>
+            <a:ext cx="10783174" cy="5273066"/>
+          </a:xfrm>
+          <a:prstGeom prst="rect">
+            <a:avLst/>
+          </a:prstGeom>
+          <a:ln w="12700">
+            <a:miter lim="400000"/>
+          </a:ln>
+          <a:extLst>
+            <a:ext uri="{C572A759-6A51-4108-AA02-DFA0A04FC94B}">
+              <ma14:wrappingTextBoxFlag xmlns:ma14="http://schemas.microsoft.com/office/mac/drawingml/2011/main" val="1"/>
+            </a:ext>
+          </a:extLst>
+        </p:spPr>
+        <p:txBody>
+          <a:bodyPr lIns="45719" rIns="45719">
+            <a:spAutoFit/>
+          </a:bodyPr>
+          <a:lstStyle/>
+          <a:p>
+            <a:pPr marL="516021" indent="-160421" algn="just" defTabSz="457200">
+              <a:buSzPct val="100000"/>
+              <a:buChar char="•"/>
+              <a:defRPr sz="1800">
+                <a:solidFill>
+                  <a:srgbClr val="4D4D4D"/>
+                </a:solidFill>
+                <a:latin typeface="PingFang SC Regular"/>
+                <a:ea typeface="PingFang SC Regular"/>
+                <a:cs typeface="PingFang SC Regular"/>
+                <a:sym typeface="PingFang SC Regular"/>
+              </a:defRPr>
+            </a:pPr>
+            <a:r>
+              <a:t>健康值状态</a:t>
+            </a:r>
+          </a:p>
+          <a:p>
+            <a:pPr marL="516021" indent="-160421" algn="just" defTabSz="457200">
+              <a:buSzPct val="100000"/>
+              <a:buChar char="•"/>
+              <a:defRPr sz="1800">
+                <a:solidFill>
+                  <a:srgbClr val="4D4D4D"/>
+                </a:solidFill>
+                <a:latin typeface="PingFang SC Regular"/>
+                <a:ea typeface="PingFang SC Regular"/>
+                <a:cs typeface="PingFang SC Regular"/>
+                <a:sym typeface="PingFang SC Regular"/>
+              </a:defRPr>
+            </a:pPr>
+            <a:endParaRPr>
+              <a:solidFill>
+                <a:srgbClr val="000000"/>
+              </a:solidFill>
+            </a:endParaRPr>
+          </a:p>
+          <a:p>
+            <a:pPr marL="1066800" indent="-355600" algn="just" defTabSz="457200">
+              <a:defRPr sz="1800">
+                <a:latin typeface="PingFang SC Regular"/>
+                <a:ea typeface="PingFang SC Regular"/>
+                <a:cs typeface="PingFang SC Regular"/>
+                <a:sym typeface="PingFang SC Regular"/>
+              </a:defRPr>
+            </a:pPr>
+            <a:r>
+              <a:t>Green</a:t>
+            </a:r>
+            <a:r>
+              <a:t>：所有Primary和Replica均为active，集群健康</a:t>
+            </a:r>
+          </a:p>
+          <a:p>
+            <a:pPr marL="1066800" indent="-355600" algn="just" defTabSz="457200">
+              <a:defRPr sz="1800">
+                <a:latin typeface="PingFang SC Regular"/>
+                <a:ea typeface="PingFang SC Regular"/>
+                <a:cs typeface="PingFang SC Regular"/>
+                <a:sym typeface="PingFang SC Regular"/>
+              </a:defRPr>
+            </a:pPr>
+          </a:p>
+          <a:p>
+            <a:pPr marL="1066800" indent="-355600" algn="just" defTabSz="457200">
+              <a:defRPr sz="1800">
+                <a:latin typeface="PingFang SC Regular"/>
+                <a:ea typeface="PingFang SC Regular"/>
+                <a:cs typeface="PingFang SC Regular"/>
+                <a:sym typeface="PingFang SC Regular"/>
+              </a:defRPr>
+            </a:pPr>
+            <a:r>
+              <a:t>Yellow</a:t>
+            </a:r>
+            <a:r>
+              <a:t>：至少一个Replica不可用，但是所有Primary均为active，数据仍然是可以保证完整性的。</a:t>
+            </a:r>
+          </a:p>
+          <a:p>
+            <a:pPr marL="1066800" indent="-355600" algn="just" defTabSz="457200">
+              <a:defRPr sz="1800">
+                <a:latin typeface="PingFang SC Regular"/>
+                <a:ea typeface="PingFang SC Regular"/>
+                <a:cs typeface="PingFang SC Regular"/>
+                <a:sym typeface="PingFang SC Regular"/>
+              </a:defRPr>
+            </a:pPr>
+          </a:p>
+          <a:p>
+            <a:pPr marL="1066800" indent="-355600" algn="just" defTabSz="457200">
+              <a:defRPr sz="1800">
+                <a:latin typeface="PingFang SC Regular"/>
+                <a:ea typeface="PingFang SC Regular"/>
+                <a:cs typeface="PingFang SC Regular"/>
+                <a:sym typeface="PingFang SC Regular"/>
+              </a:defRPr>
+            </a:pPr>
+            <a:r>
+              <a:t>Red</a:t>
+            </a:r>
+            <a:r>
+              <a:t>：至少有一个Primary为不可用状态，数据不完整，集群不可用。</a:t>
+            </a:r>
+          </a:p>
+          <a:p>
+            <a:pPr marL="1066800" indent="-355600" algn="just" defTabSz="457200">
+              <a:defRPr sz="1800">
+                <a:latin typeface="PingFang SC Regular"/>
+                <a:ea typeface="PingFang SC Regular"/>
+                <a:cs typeface="PingFang SC Regular"/>
+                <a:sym typeface="PingFang SC Regular"/>
+              </a:defRPr>
+            </a:pPr>
+          </a:p>
+          <a:p>
+            <a:pPr marL="516021" indent="-160421" algn="just" defTabSz="457200">
+              <a:buSzPct val="100000"/>
+              <a:buChar char="•"/>
+              <a:defRPr sz="1800">
+                <a:latin typeface="PingFang SC Regular"/>
+                <a:ea typeface="PingFang SC Regular"/>
+                <a:cs typeface="PingFang SC Regular"/>
+                <a:sym typeface="PingFang SC Regular"/>
+              </a:defRPr>
+            </a:pPr>
+            <a:r>
+              <a:t> 健康值检查</a:t>
+            </a:r>
+          </a:p>
+          <a:p>
+            <a:pPr lvl="1" marL="711200" indent="25400" algn="just" defTabSz="457200">
+              <a:defRPr sz="1800">
+                <a:latin typeface="PingFang SC Regular"/>
+                <a:ea typeface="PingFang SC Regular"/>
+                <a:cs typeface="PingFang SC Regular"/>
+                <a:sym typeface="PingFang SC Regular"/>
+              </a:defRPr>
+            </a:pPr>
+          </a:p>
+          <a:p>
+            <a:pPr lvl="1" marL="711200" indent="25400" algn="just" defTabSz="457200">
+              <a:defRPr sz="1800">
+                <a:latin typeface="PingFang SC Regular"/>
+                <a:ea typeface="PingFang SC Regular"/>
+                <a:cs typeface="PingFang SC Regular"/>
+                <a:sym typeface="PingFang SC Regular"/>
+              </a:defRPr>
+            </a:pPr>
+            <a:r>
+              <a:t>_cat/health</a:t>
+            </a:r>
+          </a:p>
+          <a:p>
+            <a:pPr lvl="1" marL="711200" indent="25400" algn="just" defTabSz="457200">
+              <a:defRPr sz="1800">
+                <a:latin typeface="PingFang SC Regular"/>
+                <a:ea typeface="PingFang SC Regular"/>
+                <a:cs typeface="PingFang SC Regular"/>
+                <a:sym typeface="PingFang SC Regular"/>
+              </a:defRPr>
+            </a:pPr>
+          </a:p>
+          <a:p>
+            <a:pPr lvl="1" marL="711200" indent="25400" algn="just" defTabSz="457200">
+              <a:defRPr sz="1800">
+                <a:latin typeface="PingFang SC Regular"/>
+                <a:ea typeface="PingFang SC Regular"/>
+                <a:cs typeface="PingFang SC Regular"/>
+                <a:sym typeface="PingFang SC Regular"/>
+              </a:defRPr>
+            </a:pPr>
+            <a:r>
+              <a:t>_cluster/health</a:t>
+            </a:r>
+          </a:p>
+          <a:p>
+            <a:pPr marL="1066800" indent="-355600" algn="just" defTabSz="457200">
+              <a:defRPr sz="1800">
+                <a:latin typeface="PingFang SC Regular"/>
+                <a:ea typeface="PingFang SC Regular"/>
+                <a:cs typeface="PingFang SC Regular"/>
+                <a:sym typeface="PingFang SC Regular"/>
+              </a:defRPr>
+            </a:pPr>
+          </a:p>
+          <a:p>
+            <a:pPr marL="1066800" indent="-355600" algn="just" defTabSz="457200">
+              <a:defRPr sz="1800">
+                <a:latin typeface="PingFang SC Regular"/>
+                <a:ea typeface="PingFang SC Regular"/>
+                <a:cs typeface="PingFang SC Regular"/>
+                <a:sym typeface="PingFang SC Regular"/>
+              </a:defRPr>
+            </a:pPr>
+          </a:p>
+        </p:txBody>
+      </p:sp>
+    </p:spTree>
+  </p:cSld>
+  <p:clrMapOvr>
+    <a:masterClrMapping/>
+  </p:clrMapOvr>
+  <p:transition xmlns:p14="http://schemas.microsoft.com/office/powerpoint/2010/main" spd="med" advClick="1"/>
+</p:sld>
+</file>
+
+<file path=ppt/slides/slide22.xml><?xml version="1.0" encoding="utf-8"?>
+<p:sld xmlns:a="http://schemas.openxmlformats.org/drawingml/2006/main" xmlns:r="http://schemas.openxmlformats.org/officeDocument/2006/relationships" xmlns:p="http://schemas.openxmlformats.org/presentationml/2006/main" xmlns:m="http://schemas.openxmlformats.org/officeDocument/2006/math" xmlns:a14="http://schemas.microsoft.com/office/drawing/2010/main" showMasterSp="1" showMasterPhAnim="1">
+  <p:cSld>
+    <p:spTree>
+      <p:nvGrpSpPr>
+        <p:cNvPr id="1" name=""/>
+        <p:cNvGrpSpPr/>
+        <p:nvPr/>
+      </p:nvGrpSpPr>
+      <p:grpSpPr>
+        <a:xfrm>
+          <a:off x="0" y="0"/>
+          <a:ext cx="0" cy="0"/>
+          <a:chOff x="0" y="0"/>
+          <a:chExt cx="0" cy="0"/>
+        </a:xfrm>
+      </p:grpSpPr>
+      <p:sp>
+        <p:nvSpPr>
+          <p:cNvPr id="264" name="页脚占位符 3"/>
+          <p:cNvSpPr txBox="1"/>
+          <p:nvPr/>
+        </p:nvSpPr>
+        <p:spPr>
+          <a:xfrm>
+            <a:off x="4211320" y="6245225"/>
+            <a:ext cx="3769360" cy="288824"/>
+          </a:xfrm>
+          <a:prstGeom prst="rect">
+            <a:avLst/>
+          </a:prstGeom>
+          <a:ln w="12700">
+            <a:miter lim="400000"/>
+          </a:ln>
+          <a:extLst>
+            <a:ext uri="{C572A759-6A51-4108-AA02-DFA0A04FC94B}">
+              <ma14:wrappingTextBoxFlag xmlns:ma14="http://schemas.microsoft.com/office/mac/drawingml/2011/main" val="1"/>
+            </a:ext>
+          </a:extLst>
+        </p:spPr>
+        <p:txBody>
+          <a:bodyPr lIns="45719" rIns="45719">
+            <a:spAutoFit/>
+          </a:bodyPr>
+          <a:lstStyle>
+            <a:lvl1pPr algn="ctr">
+              <a:defRPr b="1" sz="1400">
+                <a:solidFill>
+                  <a:srgbClr val="888888"/>
+                </a:solidFill>
+              </a:defRPr>
+            </a:lvl1pPr>
+          </a:lstStyle>
+          <a:p>
+            <a:pPr/>
+            <a:r>
+              <a:t>http://www.mashibing.com</a:t>
+            </a:r>
+          </a:p>
+        </p:txBody>
+      </p:sp>
+      <p:pic>
+        <p:nvPicPr>
+          <p:cNvPr id="265" name="图片 1" descr="图片 1"/>
+          <p:cNvPicPr>
+            <a:picLocks noChangeAspect="1"/>
+          </p:cNvPicPr>
+          <p:nvPr/>
+        </p:nvPicPr>
+        <p:blipFill>
+          <a:blip r:embed="rId2">
+            <a:extLst/>
+          </a:blip>
+          <a:stretch>
+            <a:fillRect/>
+          </a:stretch>
+        </p:blipFill>
+        <p:spPr>
+          <a:xfrm>
+            <a:off x="10363200" y="139700"/>
+            <a:ext cx="1657350" cy="636588"/>
+          </a:xfrm>
+          <a:prstGeom prst="rect">
+            <a:avLst/>
+          </a:prstGeom>
+          <a:ln w="12700">
+            <a:miter lim="400000"/>
+          </a:ln>
+        </p:spPr>
+      </p:pic>
+      <p:sp>
+        <p:nvSpPr>
+          <p:cNvPr id="266" name="灯片编号占位符 2"/>
+          <p:cNvSpPr txBox="1"/>
+          <p:nvPr>
+            <p:ph type="sldNum" sz="quarter" idx="4294967295"/>
+          </p:nvPr>
+        </p:nvSpPr>
+        <p:spPr>
+          <a:xfrm>
+            <a:off x="11280492" y="6245225"/>
+            <a:ext cx="301909" cy="288824"/>
+          </a:xfrm>
+          <a:prstGeom prst="rect">
+            <a:avLst/>
+          </a:prstGeom>
+          <a:extLst>
+            <a:ext uri="{C572A759-6A51-4108-AA02-DFA0A04FC94B}">
+              <ma14:wrappingTextBoxFlag xmlns:ma14="http://schemas.microsoft.com/office/mac/drawingml/2011/main" val="1"/>
+            </a:ext>
+          </a:extLst>
+        </p:spPr>
+        <p:txBody>
+          <a:bodyPr/>
+          <a:lstStyle>
+            <a:lvl1pPr>
+              <a:defRPr>
+                <a:solidFill>
+                  <a:srgbClr val="7F7F7F"/>
+                </a:solidFill>
+              </a:defRPr>
+            </a:lvl1pPr>
+          </a:lstStyle>
+          <a:p>
+            <a:pPr/>
+            <a:fld id="{86CB4B4D-7CA3-9044-876B-883B54F8677D}" type="slidenum"/>
+          </a:p>
+        </p:txBody>
+      </p:sp>
+      <p:sp>
+        <p:nvSpPr>
+          <p:cNvPr id="267" name="文本框 1"/>
+          <p:cNvSpPr txBox="1"/>
+          <p:nvPr/>
+        </p:nvSpPr>
+        <p:spPr>
+          <a:xfrm>
+            <a:off x="863031" y="869449"/>
+            <a:ext cx="2110042" cy="510541"/>
+          </a:xfrm>
+          <a:prstGeom prst="rect">
+            <a:avLst/>
+          </a:prstGeom>
+          <a:ln w="12700">
+            <a:miter lim="400000"/>
+          </a:ln>
+          <a:extLst>
+            <a:ext uri="{C572A759-6A51-4108-AA02-DFA0A04FC94B}">
+              <ma14:wrappingTextBoxFlag xmlns:ma14="http://schemas.microsoft.com/office/mac/drawingml/2011/main" val="1"/>
+            </a:ext>
+          </a:extLst>
+        </p:spPr>
+        <p:txBody>
+          <a:bodyPr lIns="45719" rIns="45719">
+            <a:spAutoFit/>
+          </a:bodyPr>
+          <a:lstStyle>
+            <a:lvl1pPr>
+              <a:buFont typeface="Wingdings"/>
+              <a:defRPr b="1"/>
+            </a:lvl1pPr>
+          </a:lstStyle>
+          <a:p>
+            <a:pPr/>
+            <a:r>
+              <a:t>索引-Index</a:t>
+            </a:r>
+          </a:p>
+        </p:txBody>
+      </p:sp>
+      <p:sp>
+        <p:nvSpPr>
+          <p:cNvPr id="268" name="文本框 1"/>
+          <p:cNvSpPr txBox="1"/>
+          <p:nvPr/>
+        </p:nvSpPr>
+        <p:spPr>
+          <a:xfrm>
+            <a:off x="871498" y="4239182"/>
+            <a:ext cx="3160636" cy="510541"/>
+          </a:xfrm>
+          <a:prstGeom prst="rect">
+            <a:avLst/>
+          </a:prstGeom>
+          <a:ln w="12700">
+            <a:miter lim="400000"/>
+          </a:ln>
+          <a:extLst>
+            <a:ext uri="{C572A759-6A51-4108-AA02-DFA0A04FC94B}">
+              <ma14:wrappingTextBoxFlag xmlns:ma14="http://schemas.microsoft.com/office/mac/drawingml/2011/main" val="1"/>
+            </a:ext>
+          </a:extLst>
+        </p:spPr>
+        <p:txBody>
+          <a:bodyPr lIns="45719" rIns="45719">
+            <a:spAutoFit/>
+          </a:bodyPr>
+          <a:lstStyle>
+            <a:lvl1pPr>
+              <a:buFont typeface="Wingdings"/>
+              <a:defRPr b="1"/>
+            </a:lvl1pPr>
+          </a:lstStyle>
+          <a:p>
+            <a:pPr/>
+            <a:r>
+              <a:t>文档-Document</a:t>
+            </a:r>
+          </a:p>
+        </p:txBody>
+      </p:sp>
+      <p:sp>
+        <p:nvSpPr>
+          <p:cNvPr id="269" name="类型-Type: 7.x 弱化 8.x完全删除  _doc"/>
+          <p:cNvSpPr txBox="1"/>
+          <p:nvPr/>
+        </p:nvSpPr>
+        <p:spPr>
+          <a:xfrm>
+            <a:off x="914400" y="2554316"/>
+            <a:ext cx="6602578" cy="510541"/>
+          </a:xfrm>
+          <a:prstGeom prst="rect">
+            <a:avLst/>
+          </a:prstGeom>
+          <a:ln w="12700">
+            <a:miter lim="400000"/>
+          </a:ln>
+          <a:extLst>
+            <a:ext uri="{C572A759-6A51-4108-AA02-DFA0A04FC94B}">
+              <ma14:wrappingTextBoxFlag xmlns:ma14="http://schemas.microsoft.com/office/mac/drawingml/2011/main" val="1"/>
+            </a:ext>
+          </a:extLst>
+        </p:spPr>
+        <p:txBody>
+          <a:bodyPr lIns="0" tIns="0" rIns="0" bIns="0"/>
+          <a:lstStyle>
+            <a:lvl1pPr>
+              <a:buFont typeface="Wingdings"/>
+              <a:defRPr>
+                <a:solidFill>
+                  <a:srgbClr val="FF2600"/>
+                </a:solidFill>
+                <a:latin typeface="PingFang SC Semibold"/>
+                <a:ea typeface="PingFang SC Semibold"/>
+                <a:cs typeface="PingFang SC Semibold"/>
+                <a:sym typeface="PingFang SC Semibold"/>
+              </a:defRPr>
+            </a:lvl1pPr>
+          </a:lstStyle>
+          <a:p>
+            <a:pPr/>
+            <a:r>
+              <a:t>类型-Type: 7.x 弱化 8.x完全删除  _doc</a:t>
+            </a:r>
+          </a:p>
+        </p:txBody>
+      </p:sp>
+    </p:spTree>
+  </p:cSld>
+  <p:clrMapOvr>
+    <a:masterClrMapping/>
+  </p:clrMapOvr>
+  <p:transition xmlns:p14="http://schemas.microsoft.com/office/powerpoint/2010/main" spd="med" advClick="1"/>
 </p:sld>
 </file>
 
@@ -7263,7 +9635,7 @@
           <a:lstStyle>
             <a:lvl1pPr>
               <a:buFont typeface="Wingdings"/>
-              <a:defRPr b="1" sz="2400"/>
+              <a:defRPr b="1"/>
             </a:lvl1pPr>
           </a:lstStyle>
           <a:p>
@@ -7409,7 +9781,7 @@
         <p:spPr>
           <a:xfrm>
             <a:off x="1650431" y="1911403"/>
-            <a:ext cx="3450653" cy="408941"/>
+            <a:ext cx="3450653" cy="510541"/>
           </a:xfrm>
           <a:prstGeom prst="rect">
             <a:avLst/>
@@ -7449,7 +9821,7 @@
         <p:spPr>
           <a:xfrm>
             <a:off x="5545098" y="1911403"/>
-            <a:ext cx="3450653" cy="408941"/>
+            <a:ext cx="3450653" cy="929641"/>
           </a:xfrm>
           <a:prstGeom prst="rect">
             <a:avLst/>
@@ -7489,7 +9861,7 @@
         <p:spPr>
           <a:xfrm>
             <a:off x="1650431" y="3263556"/>
-            <a:ext cx="3450653" cy="350662"/>
+            <a:ext cx="3450653" cy="437069"/>
           </a:xfrm>
           <a:prstGeom prst="rect">
             <a:avLst/>
@@ -7529,7 +9901,7 @@
         <p:spPr>
           <a:xfrm>
             <a:off x="5545098" y="3300490"/>
-            <a:ext cx="3450653" cy="350662"/>
+            <a:ext cx="3450653" cy="437069"/>
           </a:xfrm>
           <a:prstGeom prst="rect">
             <a:avLst/>
@@ -7569,7 +9941,7 @@
         <p:spPr>
           <a:xfrm>
             <a:off x="1650431" y="4705956"/>
-            <a:ext cx="3450653" cy="408941"/>
+            <a:ext cx="3450653" cy="510541"/>
           </a:xfrm>
           <a:prstGeom prst="rect">
             <a:avLst/>
@@ -8356,14 +10728,14 @@
       </p:par>
     </p:tnLst>
     <p:bldLst>
+      <p:bldP build="whole" bldLvl="1" animBg="1" rev="0" advAuto="0" spid="121" grpId="4"/>
+      <p:bldP build="whole" bldLvl="1" animBg="1" rev="0" advAuto="0" spid="124" grpId="7"/>
+      <p:bldP build="whole" bldLvl="1" animBg="1" rev="0" advAuto="0" spid="123" grpId="6"/>
+      <p:bldP build="whole" bldLvl="1" animBg="1" rev="0" advAuto="0" spid="119" grpId="2"/>
       <p:bldP build="whole" bldLvl="1" animBg="1" rev="0" advAuto="0" spid="118" grpId="1"/>
+      <p:bldP build="whole" bldLvl="1" animBg="1" rev="0" advAuto="0" spid="122" grpId="5"/>
+      <p:bldP build="whole" bldLvl="1" animBg="1" rev="0" advAuto="0" spid="120" grpId="3"/>
       <p:bldP build="whole" bldLvl="1" animBg="1" rev="0" advAuto="0" spid="125" grpId="8"/>
-      <p:bldP build="whole" bldLvl="1" animBg="1" rev="0" advAuto="0" spid="120" grpId="3"/>
-      <p:bldP build="whole" bldLvl="1" animBg="1" rev="0" advAuto="0" spid="123" grpId="6"/>
-      <p:bldP build="whole" bldLvl="1" animBg="1" rev="0" advAuto="0" spid="122" grpId="5"/>
-      <p:bldP build="whole" bldLvl="1" animBg="1" rev="0" advAuto="0" spid="121" grpId="4"/>
-      <p:bldP build="whole" bldLvl="1" animBg="1" rev="0" advAuto="0" spid="119" grpId="2"/>
-      <p:bldP build="whole" bldLvl="1" animBg="1" rev="0" advAuto="0" spid="124" grpId="7"/>
     </p:bldLst>
   </p:timing>
 </p:sld>
@@ -8528,7 +10900,7 @@
           <a:lstStyle>
             <a:lvl1pPr>
               <a:buFont typeface="Wingdings"/>
-              <a:defRPr b="1" sz="2400"/>
+              <a:defRPr b="1"/>
             </a:lvl1pPr>
           </a:lstStyle>
           <a:p>
@@ -8724,7 +11096,7 @@
           <a:lstStyle>
             <a:lvl1pPr>
               <a:buFont typeface="Wingdings"/>
-              <a:defRPr b="1" sz="2400"/>
+              <a:defRPr b="1"/>
             </a:lvl1pPr>
           </a:lstStyle>
           <a:p>
@@ -9402,12 +11774,12 @@
       </p:par>
     </p:tnLst>
     <p:bldLst>
+      <p:bldP build="whole" bldLvl="1" animBg="1" rev="0" advAuto="0" spid="130" grpId="2"/>
       <p:bldP build="whole" bldLvl="1" animBg="1" rev="0" advAuto="0" spid="135" grpId="1"/>
+      <p:bldP build="whole" bldLvl="1" animBg="1" rev="0" advAuto="0" spid="132" grpId="4"/>
+      <p:bldP build="whole" bldLvl="1" animBg="1" rev="0" advAuto="0" spid="134" grpId="6"/>
       <p:bldP build="whole" bldLvl="1" animBg="1" rev="0" advAuto="0" spid="131" grpId="3"/>
       <p:bldP build="whole" bldLvl="1" animBg="1" rev="0" advAuto="0" spid="133" grpId="5"/>
-      <p:bldP build="whole" bldLvl="1" animBg="1" rev="0" advAuto="0" spid="130" grpId="2"/>
-      <p:bldP build="whole" bldLvl="1" animBg="1" rev="0" advAuto="0" spid="134" grpId="6"/>
-      <p:bldP build="whole" bldLvl="1" animBg="1" rev="0" advAuto="0" spid="132" grpId="4"/>
     </p:bldLst>
   </p:timing>
 </p:sld>
@@ -9572,7 +11944,7 @@
           <a:lstStyle>
             <a:lvl1pPr>
               <a:buFont typeface="Wingdings"/>
-              <a:defRPr b="1" sz="2400"/>
+              <a:defRPr b="1"/>
             </a:lvl1pPr>
           </a:lstStyle>
           <a:p>
@@ -10180,10 +12552,10 @@
       </p:par>
     </p:tnLst>
     <p:bldLst>
-      <p:bldP build="whole" bldLvl="1" animBg="1" rev="0" advAuto="0" spid="143" grpId="4"/>
+      <p:bldP build="whole" bldLvl="1" animBg="1" rev="0" advAuto="0" spid="142" grpId="3"/>
       <p:bldP build="whole" bldLvl="1" animBg="1" rev="0" advAuto="0" spid="144" grpId="1"/>
       <p:bldP build="whole" bldLvl="1" animBg="1" rev="0" advAuto="0" spid="141" grpId="2"/>
-      <p:bldP build="whole" bldLvl="1" animBg="1" rev="0" advAuto="0" spid="142" grpId="3"/>
+      <p:bldP build="whole" bldLvl="1" animBg="1" rev="0" advAuto="0" spid="143" grpId="4"/>
     </p:bldLst>
   </p:timing>
 </p:sld>
@@ -10348,7 +12720,7 @@
           <a:lstStyle>
             <a:lvl1pPr>
               <a:buFont typeface="Wingdings"/>
-              <a:defRPr b="1" sz="2400"/>
+              <a:defRPr b="1"/>
             </a:lvl1pPr>
           </a:lstStyle>
           <a:p>
@@ -10418,7 +12790,7 @@
           <a:lstStyle>
             <a:lvl1pPr>
               <a:buFont typeface="Wingdings"/>
-              <a:defRPr b="1" sz="2400"/>
+              <a:defRPr b="1"/>
             </a:lvl1pPr>
           </a:lstStyle>
           <a:p>
@@ -10597,7 +12969,7 @@
           <a:lstStyle>
             <a:lvl1pPr>
               <a:buFont typeface="Wingdings"/>
-              <a:defRPr b="1" sz="2400"/>
+              <a:defRPr b="1"/>
             </a:lvl1pPr>
           </a:lstStyle>
           <a:p>
@@ -10667,7 +13039,7 @@
           <a:lstStyle>
             <a:lvl1pPr>
               <a:buFont typeface="Wingdings"/>
-              <a:defRPr b="1" sz="2400"/>
+              <a:defRPr b="1"/>
             </a:lvl1pPr>
           </a:lstStyle>
           <a:p>
@@ -10846,7 +13218,7 @@
           <a:lstStyle>
             <a:lvl1pPr>
               <a:buFont typeface="Wingdings"/>
-              <a:defRPr b="1" sz="2400"/>
+              <a:defRPr b="1"/>
             </a:lvl1pPr>
           </a:lstStyle>
           <a:p>
@@ -12640,15 +15012,15 @@
       </p:par>
     </p:tnLst>
     <p:bldLst>
-      <p:bldP build="p" bldLvl="5" animBg="1" rev="0" advAuto="0" spid="166" grpId="7"/>
+      <p:bldP build="p" bldLvl="5" animBg="1" rev="0" advAuto="0" spid="163" grpId="1"/>
+      <p:bldP build="p" bldLvl="5" animBg="1" rev="0" advAuto="0" spid="167" grpId="6"/>
+      <p:bldP build="whole" bldLvl="1" animBg="1" rev="0" advAuto="0" spid="165" grpId="9"/>
       <p:bldP build="p" bldLvl="5" animBg="1" rev="0" advAuto="0" spid="163" grpId="5"/>
-      <p:bldP build="p" bldLvl="5" animBg="1" rev="0" advAuto="0" spid="167" grpId="6"/>
-      <p:bldP build="p" bldLvl="5" animBg="1" rev="0" advAuto="0" spid="164" grpId="8"/>
-      <p:bldP build="whole" bldLvl="1" animBg="1" rev="0" advAuto="0" spid="165" grpId="9"/>
       <p:bldP build="p" bldLvl="5" animBg="1" rev="0" advAuto="0" spid="166" grpId="3"/>
       <p:bldP build="p" bldLvl="5" animBg="1" rev="0" advAuto="0" spid="164" grpId="4"/>
+      <p:bldP build="p" bldLvl="5" animBg="1" rev="0" advAuto="0" spid="166" grpId="7"/>
       <p:bldP build="p" bldLvl="5" animBg="1" rev="0" advAuto="0" spid="167" grpId="2"/>
-      <p:bldP build="p" bldLvl="5" animBg="1" rev="0" advAuto="0" spid="163" grpId="1"/>
+      <p:bldP build="p" bldLvl="5" animBg="1" rev="0" advAuto="0" spid="164" grpId="8"/>
     </p:bldLst>
   </p:timing>
 </p:sld>
@@ -12813,7 +15185,7 @@
           <a:lstStyle>
             <a:lvl1pPr>
               <a:buFont typeface="Wingdings"/>
-              <a:defRPr b="1" sz="2400"/>
+              <a:defRPr b="1"/>
             </a:lvl1pPr>
           </a:lstStyle>
           <a:p>
@@ -13885,7 +16257,7 @@
           <a:buFontTx/>
           <a:buNone/>
           <a:tabLst/>
-          <a:defRPr b="0" baseline="0" cap="none" i="0" spc="0" strike="noStrike" sz="1800" u="none" kumimoji="0" normalizeH="0">
+          <a:defRPr b="0" baseline="0" cap="none" i="0" spc="0" strike="noStrike" sz="2400" u="none" kumimoji="0" normalizeH="0">
             <a:ln>
               <a:noFill/>
             </a:ln>
@@ -14941,7 +17313,7 @@
           <a:buFontTx/>
           <a:buNone/>
           <a:tabLst/>
-          <a:defRPr b="0" baseline="0" cap="none" i="0" spc="0" strike="noStrike" sz="1800" u="none" kumimoji="0" normalizeH="0">
+          <a:defRPr b="0" baseline="0" cap="none" i="0" spc="0" strike="noStrike" sz="2400" u="none" kumimoji="0" normalizeH="0">
             <a:ln>
               <a:noFill/>
             </a:ln>
